--- a/ВКР_презентация.pptx
+++ b/ВКР_презентация.pptx
@@ -276,7 +276,7 @@
       </p:grpSpPr>
       <p:sp>
         <p:nvSpPr>
-          <p:cNvPr id="585544688" name="Google Shape;3;n"/>
+          <p:cNvPr id="747580547" name="Google Shape;3;n"/>
           <p:cNvSpPr>
             <a:spLocks noChangeAspect="1" noGrp="1" noRot="1"/>
           </p:cNvSpPr>
@@ -327,7 +327,7 @@
       </p:sp>
       <p:sp>
         <p:nvSpPr>
-          <p:cNvPr id="594041953" name="Google Shape;4;n"/>
+          <p:cNvPr id="1859663003" name="Google Shape;4;n"/>
           <p:cNvSpPr txBox="1">
             <a:spLocks noGrp="1"/>
           </p:cNvSpPr>
@@ -706,7 +706,7 @@
       </p:grpSpPr>
       <p:sp>
         <p:nvSpPr>
-          <p:cNvPr id="1318646344" name="Google Shape;109;p1:notes"/>
+          <p:cNvPr id="944086830" name="Google Shape;109;p1:notes"/>
           <p:cNvSpPr txBox="1">
             <a:spLocks noGrp="1"/>
           </p:cNvSpPr>
@@ -745,7 +745,7 @@
       </p:sp>
       <p:sp>
         <p:nvSpPr>
-          <p:cNvPr id="1203175070" name="Google Shape;110;p1:notes"/>
+          <p:cNvPr id="154474810" name="Google Shape;110;p1:notes"/>
           <p:cNvSpPr>
             <a:spLocks noChangeAspect="1" noGrp="1" noRot="1"/>
           </p:cNvSpPr>
@@ -808,7 +808,7 @@
       </p:grpSpPr>
       <p:sp>
         <p:nvSpPr>
-          <p:cNvPr id="356100322" name="Slide Image Placeholder 1"/>
+          <p:cNvPr id="1347653147" name="Slide Image Placeholder 1"/>
           <p:cNvSpPr>
             <a:spLocks noChangeAspect="1" noGrp="1" noRot="1"/>
           </p:cNvSpPr>
@@ -820,7 +820,7 @@
       </p:sp>
       <p:sp>
         <p:nvSpPr>
-          <p:cNvPr id="557029199" name="Notes Placeholder 2"/>
+          <p:cNvPr id="917126199" name="Notes Placeholder 2"/>
           <p:cNvSpPr>
             <a:spLocks noGrp="1"/>
           </p:cNvSpPr>
@@ -842,7 +842,7 @@
       </p:sp>
       <p:sp>
         <p:nvSpPr>
-          <p:cNvPr id="1551729090" name="Slide Number Placeholder 3"/>
+          <p:cNvPr id="1698391734" name="Slide Number Placeholder 3"/>
           <p:cNvSpPr>
             <a:spLocks noGrp="1"/>
           </p:cNvSpPr>
@@ -890,7 +890,7 @@
       </p:grpSpPr>
       <p:sp>
         <p:nvSpPr>
-          <p:cNvPr id="785042958" name="Slide Image Placeholder 1"/>
+          <p:cNvPr id="1286904533" name="Slide Image Placeholder 1"/>
           <p:cNvSpPr>
             <a:spLocks noChangeAspect="1" noGrp="1" noRot="1"/>
           </p:cNvSpPr>
@@ -902,7 +902,7 @@
       </p:sp>
       <p:sp>
         <p:nvSpPr>
-          <p:cNvPr id="1752418259" name="Notes Placeholder 2"/>
+          <p:cNvPr id="1342219623" name="Notes Placeholder 2"/>
           <p:cNvSpPr>
             <a:spLocks noGrp="1"/>
           </p:cNvSpPr>
@@ -924,7 +924,7 @@
       </p:sp>
       <p:sp>
         <p:nvSpPr>
-          <p:cNvPr id="1527489389" name="Slide Number Placeholder 3"/>
+          <p:cNvPr id="949940933" name="Slide Number Placeholder 3"/>
           <p:cNvSpPr>
             <a:spLocks noGrp="1"/>
           </p:cNvSpPr>
@@ -972,7 +972,7 @@
       </p:grpSpPr>
       <p:sp>
         <p:nvSpPr>
-          <p:cNvPr id="1700046389" name="Slide Image Placeholder 1"/>
+          <p:cNvPr id="1868135221" name="Slide Image Placeholder 1"/>
           <p:cNvSpPr>
             <a:spLocks noChangeAspect="1" noGrp="1" noRot="1"/>
           </p:cNvSpPr>
@@ -984,7 +984,7 @@
       </p:sp>
       <p:sp>
         <p:nvSpPr>
-          <p:cNvPr id="1324514712" name="Notes Placeholder 2"/>
+          <p:cNvPr id="589435908" name="Notes Placeholder 2"/>
           <p:cNvSpPr>
             <a:spLocks noGrp="1"/>
           </p:cNvSpPr>
@@ -1006,7 +1006,7 @@
       </p:sp>
       <p:sp>
         <p:nvSpPr>
-          <p:cNvPr id="906645525" name="Slide Number Placeholder 3"/>
+          <p:cNvPr id="1945953649" name="Slide Number Placeholder 3"/>
           <p:cNvSpPr>
             <a:spLocks noGrp="1"/>
           </p:cNvSpPr>
@@ -1054,7 +1054,7 @@
       </p:grpSpPr>
       <p:sp>
         <p:nvSpPr>
-          <p:cNvPr id="1426038592" name="Slide Image Placeholder 1"/>
+          <p:cNvPr id="1808116424" name="Slide Image Placeholder 1"/>
           <p:cNvSpPr>
             <a:spLocks noChangeAspect="1" noGrp="1" noRot="1"/>
           </p:cNvSpPr>
@@ -1066,7 +1066,7 @@
       </p:sp>
       <p:sp>
         <p:nvSpPr>
-          <p:cNvPr id="1542610961" name="Notes Placeholder 2"/>
+          <p:cNvPr id="1314936829" name="Notes Placeholder 2"/>
           <p:cNvSpPr>
             <a:spLocks noGrp="1"/>
           </p:cNvSpPr>
@@ -1088,7 +1088,7 @@
       </p:sp>
       <p:sp>
         <p:nvSpPr>
-          <p:cNvPr id="1650878424" name="Slide Number Placeholder 3"/>
+          <p:cNvPr id="1621652574" name="Slide Number Placeholder 3"/>
           <p:cNvSpPr>
             <a:spLocks noGrp="1"/>
           </p:cNvSpPr>
@@ -1136,7 +1136,7 @@
       </p:grpSpPr>
       <p:sp>
         <p:nvSpPr>
-          <p:cNvPr id="322491595" name="Slide Image Placeholder 1"/>
+          <p:cNvPr id="1687022602" name="Slide Image Placeholder 1"/>
           <p:cNvSpPr>
             <a:spLocks noChangeAspect="1" noGrp="1" noRot="1"/>
           </p:cNvSpPr>
@@ -1148,7 +1148,7 @@
       </p:sp>
       <p:sp>
         <p:nvSpPr>
-          <p:cNvPr id="641335954" name="Notes Placeholder 2"/>
+          <p:cNvPr id="957673298" name="Notes Placeholder 2"/>
           <p:cNvSpPr>
             <a:spLocks noGrp="1"/>
           </p:cNvSpPr>
@@ -1170,7 +1170,7 @@
       </p:sp>
       <p:sp>
         <p:nvSpPr>
-          <p:cNvPr id="1484517774" name="Slide Number Placeholder 3"/>
+          <p:cNvPr id="777125100" name="Slide Number Placeholder 3"/>
           <p:cNvSpPr>
             <a:spLocks noGrp="1"/>
           </p:cNvSpPr>
@@ -1218,7 +1218,7 @@
       </p:grpSpPr>
       <p:sp>
         <p:nvSpPr>
-          <p:cNvPr id="227437350" name="Slide Image Placeholder 1"/>
+          <p:cNvPr id="1800430415" name="Slide Image Placeholder 1"/>
           <p:cNvSpPr>
             <a:spLocks noChangeAspect="1" noGrp="1" noRot="1"/>
           </p:cNvSpPr>
@@ -1230,7 +1230,7 @@
       </p:sp>
       <p:sp>
         <p:nvSpPr>
-          <p:cNvPr id="439405519" name="Notes Placeholder 2"/>
+          <p:cNvPr id="76759120" name="Notes Placeholder 2"/>
           <p:cNvSpPr>
             <a:spLocks noGrp="1"/>
           </p:cNvSpPr>
@@ -1252,7 +1252,7 @@
       </p:sp>
       <p:sp>
         <p:nvSpPr>
-          <p:cNvPr id="1631937036" name="Slide Number Placeholder 3"/>
+          <p:cNvPr id="684246842" name="Slide Number Placeholder 3"/>
           <p:cNvSpPr>
             <a:spLocks noGrp="1"/>
           </p:cNvSpPr>
@@ -1300,7 +1300,7 @@
       </p:grpSpPr>
       <p:sp>
         <p:nvSpPr>
-          <p:cNvPr id="73777982" name="Slide Image Placeholder 1"/>
+          <p:cNvPr id="1377208115" name="Slide Image Placeholder 1"/>
           <p:cNvSpPr>
             <a:spLocks noChangeAspect="1" noGrp="1" noRot="1"/>
           </p:cNvSpPr>
@@ -1312,7 +1312,7 @@
       </p:sp>
       <p:sp>
         <p:nvSpPr>
-          <p:cNvPr id="2057410221" name="Notes Placeholder 2"/>
+          <p:cNvPr id="316854643" name="Notes Placeholder 2"/>
           <p:cNvSpPr>
             <a:spLocks noGrp="1"/>
           </p:cNvSpPr>
@@ -1334,7 +1334,7 @@
       </p:sp>
       <p:sp>
         <p:nvSpPr>
-          <p:cNvPr id="1735072371" name="Slide Number Placeholder 3"/>
+          <p:cNvPr id="1062130855" name="Slide Number Placeholder 3"/>
           <p:cNvSpPr>
             <a:spLocks noGrp="1"/>
           </p:cNvSpPr>
@@ -1382,7 +1382,7 @@
       </p:grpSpPr>
       <p:sp>
         <p:nvSpPr>
-          <p:cNvPr id="2088730894" name="Slide Image Placeholder 1"/>
+          <p:cNvPr id="1839012972" name="Slide Image Placeholder 1"/>
           <p:cNvSpPr>
             <a:spLocks noChangeAspect="1" noGrp="1" noRot="1"/>
           </p:cNvSpPr>
@@ -1394,7 +1394,7 @@
       </p:sp>
       <p:sp>
         <p:nvSpPr>
-          <p:cNvPr id="822662028" name="Notes Placeholder 2"/>
+          <p:cNvPr id="355631377" name="Notes Placeholder 2"/>
           <p:cNvSpPr>
             <a:spLocks noGrp="1"/>
           </p:cNvSpPr>
@@ -1416,7 +1416,7 @@
       </p:sp>
       <p:sp>
         <p:nvSpPr>
-          <p:cNvPr id="2139088324" name="Slide Number Placeholder 3"/>
+          <p:cNvPr id="1170459372" name="Slide Number Placeholder 3"/>
           <p:cNvSpPr>
             <a:spLocks noGrp="1"/>
           </p:cNvSpPr>
@@ -1464,7 +1464,7 @@
       </p:grpSpPr>
       <p:sp>
         <p:nvSpPr>
-          <p:cNvPr id="31306443" name="Google Shape;136;p3:notes"/>
+          <p:cNvPr id="2032323084" name="Google Shape;136;p3:notes"/>
           <p:cNvSpPr txBox="1">
             <a:spLocks noGrp="1"/>
           </p:cNvSpPr>
@@ -1503,7 +1503,7 @@
       </p:sp>
       <p:sp>
         <p:nvSpPr>
-          <p:cNvPr id="433414867" name="Google Shape;137;p3:notes"/>
+          <p:cNvPr id="36008686" name="Google Shape;137;p3:notes"/>
           <p:cNvSpPr>
             <a:spLocks noChangeAspect="1" noGrp="1" noRot="1"/>
           </p:cNvSpPr>
@@ -1566,7 +1566,7 @@
       </p:grpSpPr>
       <p:sp>
         <p:nvSpPr>
-          <p:cNvPr id="1764191043" name="Slide Image Placeholder 1"/>
+          <p:cNvPr id="1387438055" name="Slide Image Placeholder 1"/>
           <p:cNvSpPr>
             <a:spLocks noChangeAspect="1" noGrp="1" noRot="1"/>
           </p:cNvSpPr>
@@ -1578,7 +1578,7 @@
       </p:sp>
       <p:sp>
         <p:nvSpPr>
-          <p:cNvPr id="1785070231" name="Notes Placeholder 2"/>
+          <p:cNvPr id="1961096005" name="Notes Placeholder 2"/>
           <p:cNvSpPr>
             <a:spLocks noGrp="1"/>
           </p:cNvSpPr>
@@ -1600,7 +1600,7 @@
       </p:sp>
       <p:sp>
         <p:nvSpPr>
-          <p:cNvPr id="111121563" name="Slide Number Placeholder 3"/>
+          <p:cNvPr id="40490390" name="Slide Number Placeholder 3"/>
           <p:cNvSpPr>
             <a:spLocks noGrp="1"/>
           </p:cNvSpPr>
@@ -1648,7 +1648,7 @@
       </p:grpSpPr>
       <p:sp>
         <p:nvSpPr>
-          <p:cNvPr id="743863050" name="Slide Image Placeholder 1"/>
+          <p:cNvPr id="239100273" name="Slide Image Placeholder 1"/>
           <p:cNvSpPr>
             <a:spLocks noChangeAspect="1" noGrp="1" noRot="1"/>
           </p:cNvSpPr>
@@ -1660,7 +1660,7 @@
       </p:sp>
       <p:sp>
         <p:nvSpPr>
-          <p:cNvPr id="504655799" name="Notes Placeholder 2"/>
+          <p:cNvPr id="206375554" name="Notes Placeholder 2"/>
           <p:cNvSpPr>
             <a:spLocks noGrp="1"/>
           </p:cNvSpPr>
@@ -1682,7 +1682,7 @@
       </p:sp>
       <p:sp>
         <p:nvSpPr>
-          <p:cNvPr id="197530839" name="Slide Number Placeholder 3"/>
+          <p:cNvPr id="681298635" name="Slide Number Placeholder 3"/>
           <p:cNvSpPr>
             <a:spLocks noGrp="1"/>
           </p:cNvSpPr>
@@ -1730,7 +1730,7 @@
       </p:grpSpPr>
       <p:sp>
         <p:nvSpPr>
-          <p:cNvPr id="1471089711" name="Slide Image Placeholder 1"/>
+          <p:cNvPr id="1783785482" name="Slide Image Placeholder 1"/>
           <p:cNvSpPr>
             <a:spLocks noChangeAspect="1" noGrp="1" noRot="1"/>
           </p:cNvSpPr>
@@ -1742,7 +1742,7 @@
       </p:sp>
       <p:sp>
         <p:nvSpPr>
-          <p:cNvPr id="939863906" name="Notes Placeholder 2"/>
+          <p:cNvPr id="30551659" name="Notes Placeholder 2"/>
           <p:cNvSpPr>
             <a:spLocks noGrp="1"/>
           </p:cNvSpPr>
@@ -1764,7 +1764,7 @@
       </p:sp>
       <p:sp>
         <p:nvSpPr>
-          <p:cNvPr id="2042891523" name="Slide Number Placeholder 3"/>
+          <p:cNvPr id="1684443028" name="Slide Number Placeholder 3"/>
           <p:cNvSpPr>
             <a:spLocks noGrp="1"/>
           </p:cNvSpPr>
@@ -1812,7 +1812,7 @@
       </p:grpSpPr>
       <p:sp>
         <p:nvSpPr>
-          <p:cNvPr id="689323181" name="Slide Image Placeholder 1"/>
+          <p:cNvPr id="1034613940" name="Slide Image Placeholder 1"/>
           <p:cNvSpPr>
             <a:spLocks noChangeAspect="1" noGrp="1" noRot="1"/>
           </p:cNvSpPr>
@@ -1824,7 +1824,7 @@
       </p:sp>
       <p:sp>
         <p:nvSpPr>
-          <p:cNvPr id="83603018" name="Notes Placeholder 2"/>
+          <p:cNvPr id="1172931804" name="Notes Placeholder 2"/>
           <p:cNvSpPr>
             <a:spLocks noGrp="1"/>
           </p:cNvSpPr>
@@ -1846,7 +1846,7 @@
       </p:sp>
       <p:sp>
         <p:nvSpPr>
-          <p:cNvPr id="322129424" name="Slide Number Placeholder 3"/>
+          <p:cNvPr id="99051533" name="Slide Number Placeholder 3"/>
           <p:cNvSpPr>
             <a:spLocks noGrp="1"/>
           </p:cNvSpPr>
@@ -1894,7 +1894,7 @@
       </p:grpSpPr>
       <p:sp>
         <p:nvSpPr>
-          <p:cNvPr id="264032553" name="Slide Image Placeholder 1"/>
+          <p:cNvPr id="1042946562" name="Slide Image Placeholder 1"/>
           <p:cNvSpPr>
             <a:spLocks noChangeAspect="1" noGrp="1" noRot="1"/>
           </p:cNvSpPr>
@@ -1906,7 +1906,7 @@
       </p:sp>
       <p:sp>
         <p:nvSpPr>
-          <p:cNvPr id="557108621" name="Notes Placeholder 2"/>
+          <p:cNvPr id="775239567" name="Notes Placeholder 2"/>
           <p:cNvSpPr>
             <a:spLocks noGrp="1"/>
           </p:cNvSpPr>
@@ -1928,7 +1928,7 @@
       </p:sp>
       <p:sp>
         <p:nvSpPr>
-          <p:cNvPr id="321629256" name="Slide Number Placeholder 3"/>
+          <p:cNvPr id="2116887670" name="Slide Number Placeholder 3"/>
           <p:cNvSpPr>
             <a:spLocks noGrp="1"/>
           </p:cNvSpPr>
@@ -1976,7 +1976,7 @@
       </p:grpSpPr>
       <p:sp>
         <p:nvSpPr>
-          <p:cNvPr id="805745211" name="Slide Image Placeholder 1"/>
+          <p:cNvPr id="591705842" name="Slide Image Placeholder 1"/>
           <p:cNvSpPr>
             <a:spLocks noChangeAspect="1" noGrp="1" noRot="1"/>
           </p:cNvSpPr>
@@ -1988,7 +1988,7 @@
       </p:sp>
       <p:sp>
         <p:nvSpPr>
-          <p:cNvPr id="646871234" name="Notes Placeholder 2"/>
+          <p:cNvPr id="1943789295" name="Notes Placeholder 2"/>
           <p:cNvSpPr>
             <a:spLocks noGrp="1"/>
           </p:cNvSpPr>
@@ -2010,7 +2010,7 @@
       </p:sp>
       <p:sp>
         <p:nvSpPr>
-          <p:cNvPr id="958153263" name="Slide Number Placeholder 3"/>
+          <p:cNvPr id="324292685" name="Slide Number Placeholder 3"/>
           <p:cNvSpPr>
             <a:spLocks noGrp="1"/>
           </p:cNvSpPr>
@@ -2058,7 +2058,7 @@
       </p:grpSpPr>
       <p:sp>
         <p:nvSpPr>
-          <p:cNvPr id="1336620924" name="Slide Image Placeholder 1"/>
+          <p:cNvPr id="812938870" name="Slide Image Placeholder 1"/>
           <p:cNvSpPr>
             <a:spLocks noChangeAspect="1" noGrp="1" noRot="1"/>
           </p:cNvSpPr>
@@ -2070,7 +2070,7 @@
       </p:sp>
       <p:sp>
         <p:nvSpPr>
-          <p:cNvPr id="15913262" name="Notes Placeholder 2"/>
+          <p:cNvPr id="87249491" name="Notes Placeholder 2"/>
           <p:cNvSpPr>
             <a:spLocks noGrp="1"/>
           </p:cNvSpPr>
@@ -2092,7 +2092,7 @@
       </p:sp>
       <p:sp>
         <p:nvSpPr>
-          <p:cNvPr id="1045880782" name="Slide Number Placeholder 3"/>
+          <p:cNvPr id="238753095" name="Slide Number Placeholder 3"/>
           <p:cNvSpPr>
             <a:spLocks noGrp="1"/>
           </p:cNvSpPr>
@@ -2140,7 +2140,7 @@
       </p:grpSpPr>
       <p:sp>
         <p:nvSpPr>
-          <p:cNvPr id="1207735395" name="Slide Image Placeholder 1"/>
+          <p:cNvPr id="1620270423" name="Slide Image Placeholder 1"/>
           <p:cNvSpPr>
             <a:spLocks noChangeAspect="1" noGrp="1" noRot="1"/>
           </p:cNvSpPr>
@@ -2152,7 +2152,7 @@
       </p:sp>
       <p:sp>
         <p:nvSpPr>
-          <p:cNvPr id="1276409582" name="Notes Placeholder 2"/>
+          <p:cNvPr id="458663880" name="Notes Placeholder 2"/>
           <p:cNvSpPr>
             <a:spLocks noGrp="1"/>
           </p:cNvSpPr>
@@ -2174,7 +2174,7 @@
       </p:sp>
       <p:sp>
         <p:nvSpPr>
-          <p:cNvPr id="1314359439" name="Slide Number Placeholder 3"/>
+          <p:cNvPr id="137635257" name="Slide Number Placeholder 3"/>
           <p:cNvSpPr>
             <a:spLocks noGrp="1"/>
           </p:cNvSpPr>
@@ -2227,7 +2227,7 @@
       </p:grpSpPr>
       <p:pic>
         <p:nvPicPr>
-          <p:cNvPr id="677096815" name="Google Shape;88;p1"/>
+          <p:cNvPr id="1503802747" name="Google Shape;88;p1"/>
           <p:cNvPicPr/>
           <p:nvPr userDrawn="1"/>
         </p:nvPicPr>
@@ -2254,7 +2254,7 @@
       </p:pic>
       <p:grpSp>
         <p:nvGrpSpPr>
-          <p:cNvPr id="1614342101" name="Группа 6"/>
+          <p:cNvPr id="1965541027" name="Группа 6"/>
           <p:cNvGrpSpPr/>
           <p:nvPr userDrawn="1"/>
         </p:nvGrpSpPr>
@@ -2343,7 +2343,7 @@
       </p:grpSp>
       <p:pic>
         <p:nvPicPr>
-          <p:cNvPr id="1700386199" name="Рисунок 2"/>
+          <p:cNvPr id="465335032" name="Рисунок 2"/>
           <p:cNvPicPr>
             <a:picLocks noChangeAspect="1"/>
           </p:cNvPicPr>
@@ -2365,7 +2365,7 @@
       </p:pic>
       <p:sp>
         <p:nvSpPr>
-          <p:cNvPr id="1998337510" name="Google Shape;11;p5"/>
+          <p:cNvPr id="2033000849" name="Google Shape;11;p5"/>
           <p:cNvSpPr txBox="1">
             <a:spLocks noGrp="1"/>
           </p:cNvSpPr>
@@ -2519,7 +2519,7 @@
       </p:sp>
       <p:sp>
         <p:nvSpPr>
-          <p:cNvPr id="737451612" name="Google Shape;12;p5"/>
+          <p:cNvPr id="882251765" name="Google Shape;12;p5"/>
           <p:cNvSpPr txBox="1">
             <a:spLocks noGrp="1"/>
           </p:cNvSpPr>
@@ -2735,7 +2735,7 @@
       </p:grpSpPr>
       <p:sp>
         <p:nvSpPr>
-          <p:cNvPr id="1019788013" name="Google Shape;28;p8"/>
+          <p:cNvPr id="1485993812" name="Google Shape;28;p8"/>
           <p:cNvSpPr txBox="1">
             <a:spLocks noGrp="1"/>
           </p:cNvSpPr>
@@ -2949,7 +2949,7 @@
       </p:sp>
       <p:sp>
         <p:nvSpPr>
-          <p:cNvPr id="1341251114" name="Google Shape;30;p8"/>
+          <p:cNvPr id="1665524244" name="Google Shape;30;p8"/>
           <p:cNvSpPr txBox="1">
             <a:spLocks noGrp="1"/>
           </p:cNvSpPr>
@@ -3141,7 +3141,7 @@
       </p:sp>
       <p:sp>
         <p:nvSpPr>
-          <p:cNvPr id="552388654" name="Google Shape;83;p17"/>
+          <p:cNvPr id="838287871" name="Google Shape;83;p17"/>
           <p:cNvSpPr txBox="1">
             <a:spLocks noGrp="1"/>
           </p:cNvSpPr>
@@ -3277,7 +3277,7 @@
       </p:grpSpPr>
       <p:sp>
         <p:nvSpPr>
-          <p:cNvPr id="1087346796" name="Google Shape;83;p17"/>
+          <p:cNvPr id="1682644061" name="Google Shape;83;p17"/>
           <p:cNvSpPr txBox="1">
             <a:spLocks noGrp="1"/>
           </p:cNvSpPr>
@@ -3388,7 +3388,7 @@
       </p:sp>
       <p:sp>
         <p:nvSpPr>
-          <p:cNvPr id="360562711" name="Google Shape;47;p11"/>
+          <p:cNvPr id="1802574175" name="Google Shape;47;p11"/>
           <p:cNvSpPr txBox="1">
             <a:spLocks noGrp="1"/>
           </p:cNvSpPr>
@@ -3602,7 +3602,7 @@
       </p:sp>
       <p:sp>
         <p:nvSpPr>
-          <p:cNvPr id="836518590" name="Google Shape;48;p11"/>
+          <p:cNvPr id="1236549219" name="Google Shape;48;p11"/>
           <p:cNvSpPr txBox="1">
             <a:spLocks noGrp="1"/>
           </p:cNvSpPr>
@@ -3816,7 +3816,7 @@
       </p:sp>
       <p:sp>
         <p:nvSpPr>
-          <p:cNvPr id="1152064539" name="Google Shape;30;p8"/>
+          <p:cNvPr id="544042115" name="Google Shape;30;p8"/>
           <p:cNvSpPr txBox="1">
             <a:spLocks noGrp="1"/>
           </p:cNvSpPr>
@@ -4027,7 +4027,7 @@
       </p:grpSpPr>
       <p:sp>
         <p:nvSpPr>
-          <p:cNvPr id="1141919085" name="Google Shape;83;p17"/>
+          <p:cNvPr id="461679201" name="Google Shape;83;p17"/>
           <p:cNvSpPr txBox="1">
             <a:spLocks noGrp="1"/>
           </p:cNvSpPr>
@@ -4163,7 +4163,7 @@
       </p:grpSpPr>
       <p:sp>
         <p:nvSpPr>
-          <p:cNvPr id="970251938" name="Google Shape;83;p17"/>
+          <p:cNvPr id="640391050" name="Google Shape;83;p17"/>
           <p:cNvSpPr txBox="1">
             <a:spLocks noGrp="1"/>
           </p:cNvSpPr>
@@ -4299,7 +4299,7 @@
       </p:grpSpPr>
       <p:sp>
         <p:nvSpPr>
-          <p:cNvPr id="762392245" name="Google Shape;81;p17"/>
+          <p:cNvPr id="1630631047" name="Google Shape;81;p17"/>
           <p:cNvSpPr txBox="1">
             <a:spLocks noGrp="1"/>
           </p:cNvSpPr>
@@ -4513,7 +4513,7 @@
       </p:sp>
       <p:sp>
         <p:nvSpPr>
-          <p:cNvPr id="464115481" name="Google Shape;82;p17"/>
+          <p:cNvPr id="972857209" name="Google Shape;82;p17"/>
           <p:cNvSpPr txBox="1">
             <a:spLocks noGrp="1"/>
           </p:cNvSpPr>
@@ -4732,7 +4732,7 @@
       </p:sp>
       <p:sp>
         <p:nvSpPr>
-          <p:cNvPr id="305120795" name="Google Shape;83;p17"/>
+          <p:cNvPr id="632169837" name="Google Shape;83;p17"/>
           <p:cNvSpPr txBox="1">
             <a:spLocks noGrp="1"/>
           </p:cNvSpPr>
@@ -4868,7 +4868,7 @@
       </p:grpSpPr>
       <p:sp>
         <p:nvSpPr>
-          <p:cNvPr id="1647919335" name="Google Shape;75;p16"/>
+          <p:cNvPr id="1409387502" name="Google Shape;75;p16"/>
           <p:cNvSpPr txBox="1">
             <a:spLocks noGrp="1"/>
           </p:cNvSpPr>
@@ -5019,7 +5019,7 @@
       </p:sp>
       <p:sp>
         <p:nvSpPr>
-          <p:cNvPr id="527782207" name="Google Shape;76;p16"/>
+          <p:cNvPr id="635077907" name="Google Shape;76;p16"/>
           <p:cNvSpPr txBox="1">
             <a:spLocks noGrp="1"/>
           </p:cNvSpPr>
@@ -5216,7 +5216,7 @@
       </p:sp>
       <p:sp>
         <p:nvSpPr>
-          <p:cNvPr id="1727911487" name="Google Shape;77;p16"/>
+          <p:cNvPr id="1640754388" name="Google Shape;77;p16"/>
           <p:cNvSpPr txBox="1">
             <a:spLocks noGrp="1"/>
           </p:cNvSpPr>
@@ -5435,7 +5435,7 @@
       </p:sp>
       <p:sp>
         <p:nvSpPr>
-          <p:cNvPr id="1050491708" name="Google Shape;83;p17"/>
+          <p:cNvPr id="965231016" name="Google Shape;83;p17"/>
           <p:cNvSpPr txBox="1">
             <a:spLocks noGrp="1"/>
           </p:cNvSpPr>
@@ -5571,7 +5571,7 @@
       </p:grpSpPr>
       <p:sp>
         <p:nvSpPr>
-          <p:cNvPr id="1290377675" name="Google Shape;85;p18"/>
+          <p:cNvPr id="711148591" name="Google Shape;85;p18"/>
           <p:cNvSpPr txBox="1">
             <a:spLocks noGrp="1"/>
           </p:cNvSpPr>
@@ -5722,7 +5722,7 @@
       </p:sp>
       <p:sp>
         <p:nvSpPr>
-          <p:cNvPr id="684664902" name="Google Shape;86;p18"/>
+          <p:cNvPr id="1466945625" name="Google Shape;86;p18"/>
           <p:cNvSpPr>
             <a:spLocks noGrp="1"/>
           </p:cNvSpPr>
@@ -5776,7 +5776,7 @@
       </p:sp>
       <p:sp>
         <p:nvSpPr>
-          <p:cNvPr id="1302824865" name="Google Shape;87;p18"/>
+          <p:cNvPr id="1317633668" name="Google Shape;87;p18"/>
           <p:cNvSpPr txBox="1">
             <a:spLocks noGrp="1"/>
           </p:cNvSpPr>
@@ -5995,7 +5995,7 @@
       </p:sp>
       <p:sp>
         <p:nvSpPr>
-          <p:cNvPr id="1779169026" name="Google Shape;83;p17"/>
+          <p:cNvPr id="2082797181" name="Google Shape;83;p17"/>
           <p:cNvSpPr txBox="1">
             <a:spLocks noGrp="1"/>
           </p:cNvSpPr>
@@ -6131,7 +6131,7 @@
       </p:grpSpPr>
       <p:pic>
         <p:nvPicPr>
-          <p:cNvPr id="587988967" name="Google Shape;88;p1"/>
+          <p:cNvPr id="1407261734" name="Google Shape;88;p1"/>
           <p:cNvPicPr/>
           <p:nvPr userDrawn="1"/>
         </p:nvPicPr>
@@ -6158,7 +6158,7 @@
       </p:pic>
       <p:pic>
         <p:nvPicPr>
-          <p:cNvPr id="801268643" name="Рисунок 4"/>
+          <p:cNvPr id="897929578" name="Рисунок 4"/>
           <p:cNvPicPr>
             <a:picLocks noChangeAspect="1"/>
           </p:cNvPicPr>
@@ -6180,7 +6180,7 @@
       </p:pic>
       <p:pic>
         <p:nvPicPr>
-          <p:cNvPr id="672673305" name="Рисунок 3"/>
+          <p:cNvPr id="1173388314" name="Рисунок 3"/>
           <p:cNvPicPr>
             <a:picLocks noChangeAspect="1"/>
           </p:cNvPicPr>
@@ -6202,7 +6202,7 @@
       </p:pic>
       <p:sp>
         <p:nvSpPr>
-          <p:cNvPr id="1197891418" name="TextBox 28"/>
+          <p:cNvPr id="447958541" name="TextBox 28"/>
           <p:cNvSpPr txBox="1"/>
           <p:nvPr userDrawn="1"/>
         </p:nvSpPr>
@@ -6251,7 +6251,7 @@
       </p:sp>
       <p:sp>
         <p:nvSpPr>
-          <p:cNvPr id="168258702" name="Прямоугольник 58"/>
+          <p:cNvPr id="649865954" name="Прямоугольник 58"/>
           <p:cNvSpPr/>
           <p:nvPr userDrawn="1"/>
         </p:nvSpPr>
@@ -6416,7 +6416,7 @@
       </p:grpSpPr>
       <p:pic>
         <p:nvPicPr>
-          <p:cNvPr id="806676339" name="Рисунок 2"/>
+          <p:cNvPr id="471909054" name="Рисунок 2"/>
           <p:cNvPicPr>
             <a:picLocks noChangeAspect="1"/>
           </p:cNvPicPr>
@@ -6438,7 +6438,7 @@
       </p:pic>
       <p:sp>
         <p:nvSpPr>
-          <p:cNvPr id="710448364" name="Google Shape;7;p4"/>
+          <p:cNvPr id="9182328" name="Google Shape;7;p4"/>
           <p:cNvSpPr txBox="1">
             <a:spLocks noGrp="1"/>
           </p:cNvSpPr>
@@ -6713,7 +6713,7 @@
       </p:sp>
       <p:sp>
         <p:nvSpPr>
-          <p:cNvPr id="589486790" name="Google Shape;8;p4"/>
+          <p:cNvPr id="175834150" name="Google Shape;8;p4"/>
           <p:cNvSpPr txBox="1">
             <a:spLocks noGrp="1"/>
           </p:cNvSpPr>
@@ -7578,7 +7578,7 @@
       </p:grpSpPr>
       <p:sp>
         <p:nvSpPr>
-          <p:cNvPr id="1413745604" name="Заголовок 1"/>
+          <p:cNvPr id="560275144" name="Заголовок 1"/>
           <p:cNvSpPr>
             <a:spLocks noGrp="1"/>
           </p:cNvSpPr>
@@ -7631,7 +7631,7 @@
       </p:sp>
       <p:sp>
         <p:nvSpPr>
-          <p:cNvPr id="1673688088" name="Подзаголовок 2"/>
+          <p:cNvPr id="1311191955" name="Подзаголовок 2"/>
           <p:cNvSpPr>
             <a:spLocks noGrp="1"/>
           </p:cNvSpPr>
@@ -7699,7 +7699,7 @@
       </p:grpSpPr>
       <p:sp>
         <p:nvSpPr>
-          <p:cNvPr id="814669750" name="Текст 1"/>
+          <p:cNvPr id="1374609381" name="Текст 1"/>
           <p:cNvSpPr>
             <a:spLocks noGrp="1"/>
           </p:cNvSpPr>
@@ -7738,7 +7738,7 @@
       </p:sp>
       <p:sp>
         <p:nvSpPr>
-          <p:cNvPr id="197313041" name="Текст 2"/>
+          <p:cNvPr id="1807724563" name="Текст 2"/>
           <p:cNvSpPr>
             <a:spLocks noGrp="1"/>
           </p:cNvSpPr>
@@ -7771,7 +7771,7 @@
       </p:sp>
       <p:sp>
         <p:nvSpPr>
-          <p:cNvPr id="78676981" name="Номер слайда 3"/>
+          <p:cNvPr id="2006576183" name="Номер слайда 3"/>
           <p:cNvSpPr>
             <a:spLocks noGrp="1"/>
           </p:cNvSpPr>
@@ -7804,7 +7804,7 @@
       </p:sp>
       <p:grpSp>
         <p:nvGrpSpPr>
-          <p:cNvPr id="526170974" name="Группа 7"/>
+          <p:cNvPr id="1570155092" name="Группа 7"/>
           <p:cNvGrpSpPr/>
           <p:nvPr/>
         </p:nvGrpSpPr>
@@ -8158,7 +8158,7 @@
       </p:grpSp>
       <p:pic>
         <p:nvPicPr>
-          <p:cNvPr id="1729686686" name=""/>
+          <p:cNvPr id="1517698848" name=""/>
           <p:cNvPicPr>
             <a:picLocks noChangeAspect="1"/>
           </p:cNvPicPr>
@@ -8169,9 +8169,9 @@
           <a:stretch/>
         </p:blipFill>
         <p:spPr bwMode="auto">
-          <a:xfrm rot="0" flipH="0" flipV="0">
-            <a:off x="6209567" y="1813413"/>
-            <a:ext cx="4874278" cy="4815286"/>
+          <a:xfrm>
+            <a:off x="5771824" y="2045780"/>
+            <a:ext cx="6219824" cy="3867149"/>
           </a:xfrm>
           <a:prstGeom prst="rect">
             <a:avLst/>
@@ -8213,7 +8213,7 @@
       </p:grpSpPr>
       <p:sp>
         <p:nvSpPr>
-          <p:cNvPr id="740804634" name="Текст 1"/>
+          <p:cNvPr id="232847936" name="Текст 1"/>
           <p:cNvSpPr>
             <a:spLocks noGrp="1"/>
           </p:cNvSpPr>
@@ -8256,7 +8256,7 @@
       </p:sp>
       <p:sp>
         <p:nvSpPr>
-          <p:cNvPr id="508859681" name="Текст 2"/>
+          <p:cNvPr id="2048236937" name="Текст 2"/>
           <p:cNvSpPr>
             <a:spLocks noGrp="1"/>
           </p:cNvSpPr>
@@ -8297,7 +8297,7 @@
       </p:sp>
       <p:sp>
         <p:nvSpPr>
-          <p:cNvPr id="864066476" name="Номер слайда 3"/>
+          <p:cNvPr id="2022022377" name="Номер слайда 3"/>
           <p:cNvSpPr>
             <a:spLocks noGrp="1"/>
           </p:cNvSpPr>
@@ -8330,7 +8330,7 @@
       </p:sp>
       <p:grpSp>
         <p:nvGrpSpPr>
-          <p:cNvPr id="1583567773" name="Группа 7"/>
+          <p:cNvPr id="658094365" name="Группа 7"/>
           <p:cNvGrpSpPr/>
           <p:nvPr/>
         </p:nvGrpSpPr>
@@ -8684,7 +8684,7 @@
       </p:grpSp>
       <p:graphicFrame>
         <p:nvGraphicFramePr>
-          <p:cNvPr id="1520224048" name=""/>
+          <p:cNvPr id="1457589374" name=""/>
           <p:cNvGraphicFramePr>
             <a:graphicFrameLocks xmlns:a="http://schemas.openxmlformats.org/drawingml/2006/main"/>
           </p:cNvGraphicFramePr>
@@ -8994,7 +8994,7 @@
       </p:grpSpPr>
       <p:sp>
         <p:nvSpPr>
-          <p:cNvPr id="1107140707" name="Текст 1"/>
+          <p:cNvPr id="969050954" name="Текст 1"/>
           <p:cNvSpPr>
             <a:spLocks noGrp="1"/>
           </p:cNvSpPr>
@@ -9137,7 +9137,7 @@
       </p:sp>
       <p:sp>
         <p:nvSpPr>
-          <p:cNvPr id="2114115454" name="Текст 2"/>
+          <p:cNvPr id="21981280" name="Текст 2"/>
           <p:cNvSpPr>
             <a:spLocks noGrp="1"/>
           </p:cNvSpPr>
@@ -9170,7 +9170,7 @@
       </p:sp>
       <p:sp>
         <p:nvSpPr>
-          <p:cNvPr id="320621255" name="Номер слайда 3"/>
+          <p:cNvPr id="1082402741" name="Номер слайда 3"/>
           <p:cNvSpPr>
             <a:spLocks noGrp="1"/>
           </p:cNvSpPr>
@@ -9203,7 +9203,7 @@
       </p:sp>
       <p:grpSp>
         <p:nvGrpSpPr>
-          <p:cNvPr id="531211323" name="Группа 7"/>
+          <p:cNvPr id="201527993" name="Группа 7"/>
           <p:cNvGrpSpPr/>
           <p:nvPr/>
         </p:nvGrpSpPr>
@@ -9557,7 +9557,7 @@
       </p:grpSp>
       <p:pic>
         <p:nvPicPr>
-          <p:cNvPr id="1605282853" name=""/>
+          <p:cNvPr id="2001564779" name=""/>
           <p:cNvPicPr>
             <a:picLocks noChangeAspect="1"/>
           </p:cNvPicPr>
@@ -9569,8 +9569,8 @@
         </p:blipFill>
         <p:spPr bwMode="auto">
           <a:xfrm flipH="0" flipV="0">
-            <a:off x="1352895" y="4244110"/>
-            <a:ext cx="10386447" cy="2465195"/>
+            <a:off x="843936" y="4487740"/>
+            <a:ext cx="10960601" cy="1593605"/>
           </a:xfrm>
           <a:prstGeom prst="rect">
             <a:avLst/>
@@ -9612,7 +9612,7 @@
       </p:grpSpPr>
       <p:sp>
         <p:nvSpPr>
-          <p:cNvPr id="797573739" name="Текст 1"/>
+          <p:cNvPr id="1928029838" name="Текст 1"/>
           <p:cNvSpPr>
             <a:spLocks noGrp="1"/>
           </p:cNvSpPr>
@@ -9651,7 +9651,7 @@
       </p:sp>
       <p:sp>
         <p:nvSpPr>
-          <p:cNvPr id="1018789082" name="Текст 2"/>
+          <p:cNvPr id="1626578414" name="Текст 2"/>
           <p:cNvSpPr>
             <a:spLocks noGrp="1"/>
           </p:cNvSpPr>
@@ -9684,7 +9684,7 @@
       </p:sp>
       <p:sp>
         <p:nvSpPr>
-          <p:cNvPr id="652883922" name="Номер слайда 3"/>
+          <p:cNvPr id="852475454" name="Номер слайда 3"/>
           <p:cNvSpPr>
             <a:spLocks noGrp="1"/>
           </p:cNvSpPr>
@@ -9717,7 +9717,7 @@
       </p:sp>
       <p:grpSp>
         <p:nvGrpSpPr>
-          <p:cNvPr id="1518333187" name="Группа 7"/>
+          <p:cNvPr id="710632701" name="Группа 7"/>
           <p:cNvGrpSpPr/>
           <p:nvPr/>
         </p:nvGrpSpPr>
@@ -10071,7 +10071,7 @@
       </p:grpSp>
       <p:graphicFrame>
         <p:nvGraphicFramePr>
-          <p:cNvPr id="1333431227" name=""/>
+          <p:cNvPr id="400761320" name=""/>
           <p:cNvGraphicFramePr>
             <a:graphicFrameLocks xmlns:a="http://schemas.openxmlformats.org/drawingml/2006/main"/>
           </p:cNvGraphicFramePr>
@@ -10300,7 +10300,7 @@
       </p:grpSpPr>
       <p:sp>
         <p:nvSpPr>
-          <p:cNvPr id="1465298511" name="Номер слайда 3"/>
+          <p:cNvPr id="1007848527" name="Номер слайда 3"/>
           <p:cNvSpPr>
             <a:spLocks noGrp="1"/>
           </p:cNvSpPr>
@@ -10338,7 +10338,7 @@
       </p:sp>
       <p:sp>
         <p:nvSpPr>
-          <p:cNvPr id="802729934" name="Текст 2"/>
+          <p:cNvPr id="416789148" name="Текст 2"/>
           <p:cNvSpPr txBox="1"/>
           <p:nvPr/>
         </p:nvSpPr>
@@ -10611,7 +10611,7 @@
       </p:sp>
       <p:grpSp>
         <p:nvGrpSpPr>
-          <p:cNvPr id="1609499919" name="Группа 18"/>
+          <p:cNvPr id="2095709713" name="Группа 18"/>
           <p:cNvGrpSpPr/>
           <p:nvPr/>
         </p:nvGrpSpPr>
@@ -10965,13 +10965,13 @@
       </p:grpSp>
       <p:grpSp>
         <p:nvGrpSpPr>
-          <p:cNvPr id="907501875" name="Группа 7"/>
+          <p:cNvPr id="1144663005" name="Группа 7"/>
           <p:cNvGrpSpPr/>
           <p:nvPr/>
         </p:nvGrpSpPr>
         <p:grpSpPr bwMode="auto">
           <a:xfrm flipH="0" flipV="0">
-            <a:off x="3167878" y="469291"/>
+            <a:off x="3167878" y="469290"/>
             <a:ext cx="4508946" cy="666000"/>
             <a:chOff x="0" y="0"/>
             <a:chExt cx="4508946" cy="666000"/>
@@ -11052,7 +11052,7 @@
             <p:nvPr/>
           </p:nvSpPr>
           <p:spPr bwMode="auto">
-            <a:xfrm rot="10799956" flipH="1">
+            <a:xfrm rot="10799955" flipH="1">
               <a:off x="0" y="0"/>
               <a:ext cx="62759" cy="666000"/>
             </a:xfrm>
@@ -11319,7 +11319,7 @@
       </p:grpSp>
       <p:pic>
         <p:nvPicPr>
-          <p:cNvPr id="1471928682" name=""/>
+          <p:cNvPr id="365763952" name=""/>
           <p:cNvPicPr>
             <a:picLocks noChangeAspect="1"/>
           </p:cNvPicPr>
@@ -11374,7 +11374,7 @@
       </p:grpSpPr>
       <p:sp>
         <p:nvSpPr>
-          <p:cNvPr id="287149161" name="Номер слайда 3"/>
+          <p:cNvPr id="446448577" name="Номер слайда 3"/>
           <p:cNvSpPr>
             <a:spLocks noGrp="1"/>
           </p:cNvSpPr>
@@ -11384,7 +11384,7 @@
         </p:nvSpPr>
         <p:spPr bwMode="auto">
           <a:xfrm>
-            <a:off x="273627" y="6434050"/>
+            <a:off x="273627" y="6434049"/>
             <a:ext cx="570308" cy="275254"/>
           </a:xfrm>
         </p:spPr>
@@ -11412,14 +11412,14 @@
       </p:sp>
       <p:sp>
         <p:nvSpPr>
-          <p:cNvPr id="188330229" name="Текст 2"/>
+          <p:cNvPr id="440805534" name="Текст 2"/>
           <p:cNvSpPr txBox="1"/>
           <p:nvPr/>
         </p:nvSpPr>
         <p:spPr bwMode="auto">
           <a:xfrm>
             <a:off x="224646" y="1333689"/>
-            <a:ext cx="7119142" cy="600689"/>
+            <a:ext cx="7119142" cy="600688"/>
           </a:xfrm>
           <a:prstGeom prst="rect">
             <a:avLst/>
@@ -11430,7 +11430,7 @@
           </a:ln>
         </p:spPr>
         <p:txBody>
-          <a:bodyPr spcFirstLastPara="1" wrap="square" lIns="91424" tIns="45699" rIns="91424" bIns="45699" anchor="t" anchorCtr="0">
+          <a:bodyPr spcFirstLastPara="1" wrap="square" lIns="91423" tIns="45699" rIns="91423" bIns="45699" anchor="t" anchorCtr="0">
             <a:normAutofit/>
           </a:bodyPr>
           <a:lstStyle>
@@ -11685,7 +11685,7 @@
       </p:sp>
       <p:grpSp>
         <p:nvGrpSpPr>
-          <p:cNvPr id="515844323" name="Группа 18"/>
+          <p:cNvPr id="32246494" name="Группа 18"/>
           <p:cNvGrpSpPr/>
           <p:nvPr/>
         </p:nvGrpSpPr>
@@ -11694,7 +11694,7 @@
             <a:off x="3167879" y="469292"/>
             <a:ext cx="3835397" cy="666000"/>
             <a:chOff x="1476752" y="3499668"/>
-            <a:chExt cx="4619246" cy="666000"/>
+            <a:chExt cx="4619245" cy="666000"/>
           </a:xfrm>
         </p:grpSpPr>
         <p:sp>
@@ -11706,7 +11706,7 @@
           <p:spPr bwMode="auto">
             <a:xfrm>
               <a:off x="1476752" y="3499668"/>
-              <a:ext cx="4619246" cy="666000"/>
+              <a:ext cx="4619245" cy="666000"/>
             </a:xfrm>
             <a:prstGeom prst="rect">
               <a:avLst/>
@@ -11772,7 +11772,7 @@
             <p:nvPr/>
           </p:nvSpPr>
           <p:spPr bwMode="auto">
-            <a:xfrm rot="10799990" flipH="1">
+            <a:xfrm rot="10799989" flipH="1">
               <a:off x="1476753" y="3499668"/>
               <a:ext cx="76578" cy="666000"/>
             </a:xfrm>
@@ -12039,13 +12039,13 @@
       </p:grpSp>
       <p:grpSp>
         <p:nvGrpSpPr>
-          <p:cNvPr id="1578350449" name="Группа 7"/>
+          <p:cNvPr id="1608823518" name="Группа 7"/>
           <p:cNvGrpSpPr/>
           <p:nvPr/>
         </p:nvGrpSpPr>
         <p:grpSpPr bwMode="auto">
           <a:xfrm flipH="0" flipV="0">
-            <a:off x="3167878" y="469291"/>
+            <a:off x="3167878" y="469290"/>
             <a:ext cx="4508946" cy="666000"/>
             <a:chOff x="0" y="0"/>
             <a:chExt cx="4508946" cy="666000"/>
@@ -12126,7 +12126,7 @@
             <p:nvPr/>
           </p:nvSpPr>
           <p:spPr bwMode="auto">
-            <a:xfrm rot="10799956" flipH="1">
+            <a:xfrm rot="10799955" flipH="1">
               <a:off x="0" y="0"/>
               <a:ext cx="62759" cy="666000"/>
             </a:xfrm>
@@ -12393,7 +12393,7 @@
       </p:grpSp>
       <p:pic>
         <p:nvPicPr>
-          <p:cNvPr id="1897333679" name=""/>
+          <p:cNvPr id="1164233383" name=""/>
           <p:cNvPicPr>
             <a:picLocks noChangeAspect="1"/>
           </p:cNvPicPr>
@@ -12448,7 +12448,7 @@
       </p:grpSpPr>
       <p:sp>
         <p:nvSpPr>
-          <p:cNvPr id="1335697125" name="Номер слайда 3"/>
+          <p:cNvPr id="1970928918" name="Номер слайда 3"/>
           <p:cNvSpPr>
             <a:spLocks noGrp="1"/>
           </p:cNvSpPr>
@@ -12458,7 +12458,7 @@
         </p:nvSpPr>
         <p:spPr bwMode="auto">
           <a:xfrm>
-            <a:off x="273627" y="6434050"/>
+            <a:off x="273627" y="6434049"/>
             <a:ext cx="570308" cy="275254"/>
           </a:xfrm>
         </p:spPr>
@@ -12486,14 +12486,14 @@
       </p:sp>
       <p:sp>
         <p:nvSpPr>
-          <p:cNvPr id="201568514" name="Текст 2"/>
+          <p:cNvPr id="436225458" name="Текст 2"/>
           <p:cNvSpPr txBox="1"/>
           <p:nvPr/>
         </p:nvSpPr>
         <p:spPr bwMode="auto">
           <a:xfrm>
             <a:off x="224646" y="1333689"/>
-            <a:ext cx="7119142" cy="600689"/>
+            <a:ext cx="7119142" cy="600688"/>
           </a:xfrm>
           <a:prstGeom prst="rect">
             <a:avLst/>
@@ -12504,7 +12504,7 @@
           </a:ln>
         </p:spPr>
         <p:txBody>
-          <a:bodyPr spcFirstLastPara="1" wrap="square" lIns="91424" tIns="45699" rIns="91424" bIns="45699" anchor="t" anchorCtr="0">
+          <a:bodyPr spcFirstLastPara="1" wrap="square" lIns="91423" tIns="45699" rIns="91423" bIns="45699" anchor="t" anchorCtr="0">
             <a:normAutofit/>
           </a:bodyPr>
           <a:lstStyle>
@@ -12759,7 +12759,7 @@
       </p:sp>
       <p:grpSp>
         <p:nvGrpSpPr>
-          <p:cNvPr id="1800833791" name="Группа 18"/>
+          <p:cNvPr id="1302199680" name="Группа 18"/>
           <p:cNvGrpSpPr/>
           <p:nvPr/>
         </p:nvGrpSpPr>
@@ -12768,7 +12768,7 @@
             <a:off x="3167879" y="469292"/>
             <a:ext cx="3835397" cy="666000"/>
             <a:chOff x="1476752" y="3499668"/>
-            <a:chExt cx="4619246" cy="666000"/>
+            <a:chExt cx="4619245" cy="666000"/>
           </a:xfrm>
         </p:grpSpPr>
         <p:sp>
@@ -12780,7 +12780,7 @@
           <p:spPr bwMode="auto">
             <a:xfrm>
               <a:off x="1476752" y="3499668"/>
-              <a:ext cx="4619246" cy="666000"/>
+              <a:ext cx="4619245" cy="666000"/>
             </a:xfrm>
             <a:prstGeom prst="rect">
               <a:avLst/>
@@ -12846,7 +12846,7 @@
             <p:nvPr/>
           </p:nvSpPr>
           <p:spPr bwMode="auto">
-            <a:xfrm rot="10799990" flipH="1">
+            <a:xfrm rot="10799989" flipH="1">
               <a:off x="1476753" y="3499668"/>
               <a:ext cx="76578" cy="666000"/>
             </a:xfrm>
@@ -13113,13 +13113,13 @@
       </p:grpSp>
       <p:grpSp>
         <p:nvGrpSpPr>
-          <p:cNvPr id="496291157" name="Группа 7"/>
+          <p:cNvPr id="813140915" name="Группа 7"/>
           <p:cNvGrpSpPr/>
           <p:nvPr/>
         </p:nvGrpSpPr>
         <p:grpSpPr bwMode="auto">
           <a:xfrm flipH="0" flipV="0">
-            <a:off x="3167878" y="469291"/>
+            <a:off x="3167878" y="469290"/>
             <a:ext cx="4508946" cy="666000"/>
             <a:chOff x="0" y="0"/>
             <a:chExt cx="4508946" cy="666000"/>
@@ -13200,7 +13200,7 @@
             <p:nvPr/>
           </p:nvSpPr>
           <p:spPr bwMode="auto">
-            <a:xfrm rot="10799956" flipH="1">
+            <a:xfrm rot="10799955" flipH="1">
               <a:off x="0" y="0"/>
               <a:ext cx="62759" cy="666000"/>
             </a:xfrm>
@@ -13467,7 +13467,7 @@
       </p:grpSp>
       <p:pic>
         <p:nvPicPr>
-          <p:cNvPr id="1140709545" name=""/>
+          <p:cNvPr id="433776956" name=""/>
           <p:cNvPicPr>
             <a:picLocks noChangeAspect="1"/>
           </p:cNvPicPr>
@@ -13522,7 +13522,7 @@
       </p:grpSpPr>
       <p:sp>
         <p:nvSpPr>
-          <p:cNvPr id="1535865515" name="Номер слайда 2"/>
+          <p:cNvPr id="1589242451" name="Номер слайда 2"/>
           <p:cNvSpPr>
             <a:spLocks noGrp="1"/>
           </p:cNvSpPr>
@@ -13555,7 +13555,7 @@
       </p:sp>
       <p:sp>
         <p:nvSpPr>
-          <p:cNvPr id="763033487" name="Текст 3"/>
+          <p:cNvPr id="230277591" name="Текст 3"/>
           <p:cNvSpPr>
             <a:spLocks noGrp="1"/>
           </p:cNvSpPr>
@@ -13589,7 +13589,7 @@
       </p:sp>
       <p:sp>
         <p:nvSpPr>
-          <p:cNvPr id="71775217" name="Текст 1"/>
+          <p:cNvPr id="1107204874" name="Текст 1"/>
           <p:cNvSpPr>
             <a:spLocks noGrp="1"/>
           </p:cNvSpPr>
@@ -13622,7 +13622,7 @@
       </p:sp>
       <p:grpSp>
         <p:nvGrpSpPr>
-          <p:cNvPr id="766681135" name="Группа 7"/>
+          <p:cNvPr id="890792924" name="Группа 7"/>
           <p:cNvGrpSpPr/>
           <p:nvPr/>
         </p:nvGrpSpPr>
@@ -14042,7 +14042,7 @@
       </p:grpSpPr>
       <p:grpSp>
         <p:nvGrpSpPr>
-          <p:cNvPr id="2018653017" name="Группа 64"/>
+          <p:cNvPr id="1521853448" name="Группа 64"/>
           <p:cNvGrpSpPr/>
           <p:nvPr/>
         </p:nvGrpSpPr>
@@ -14396,7 +14396,7 @@
       </p:grpSp>
       <p:sp>
         <p:nvSpPr>
-          <p:cNvPr id="1908460048" name="Номер слайда 3"/>
+          <p:cNvPr id="469118927" name="Номер слайда 3"/>
           <p:cNvSpPr>
             <a:spLocks noGrp="1"/>
           </p:cNvSpPr>
@@ -14429,7 +14429,7 @@
       </p:sp>
       <p:sp>
         <p:nvSpPr>
-          <p:cNvPr id="1487995112" name="Google Shape;125;p4"/>
+          <p:cNvPr id="493868824" name="Google Shape;125;p4"/>
           <p:cNvSpPr/>
           <p:nvPr/>
         </p:nvSpPr>
@@ -14486,7 +14486,7 @@
       </p:sp>
       <p:grpSp>
         <p:nvGrpSpPr>
-          <p:cNvPr id="747160468" name="Группа 35"/>
+          <p:cNvPr id="748800386" name="Группа 35"/>
           <p:cNvGrpSpPr/>
           <p:nvPr/>
         </p:nvGrpSpPr>
@@ -14579,7 +14579,7 @@
       </p:grpSp>
       <p:grpSp>
         <p:nvGrpSpPr>
-          <p:cNvPr id="682409653" name="Группа 39"/>
+          <p:cNvPr id="884386275" name="Группа 39"/>
           <p:cNvGrpSpPr/>
           <p:nvPr/>
         </p:nvGrpSpPr>
@@ -14672,7 +14672,7 @@
       </p:grpSp>
       <p:grpSp>
         <p:nvGrpSpPr>
-          <p:cNvPr id="1456395749" name="Группа 43"/>
+          <p:cNvPr id="239951565" name="Группа 43"/>
           <p:cNvGrpSpPr/>
           <p:nvPr/>
         </p:nvGrpSpPr>
@@ -14765,7 +14765,7 @@
       </p:grpSp>
       <p:sp>
         <p:nvSpPr>
-          <p:cNvPr id="618431265" name="Google Shape;125;p4"/>
+          <p:cNvPr id="513316821" name="Google Shape;125;p4"/>
           <p:cNvSpPr/>
           <p:nvPr/>
         </p:nvSpPr>
@@ -14822,7 +14822,7 @@
       </p:sp>
       <p:sp>
         <p:nvSpPr>
-          <p:cNvPr id="1861299999" name="Google Shape;127;p4"/>
+          <p:cNvPr id="467345377" name="Google Shape;127;p4"/>
           <p:cNvSpPr/>
           <p:nvPr/>
         </p:nvSpPr>
@@ -14879,7 +14879,7 @@
       </p:sp>
       <p:sp>
         <p:nvSpPr>
-          <p:cNvPr id="985513770" name="Google Shape;125;p4"/>
+          <p:cNvPr id="1310519258" name="Google Shape;125;p4"/>
           <p:cNvSpPr/>
           <p:nvPr/>
         </p:nvSpPr>
@@ -14936,7 +14936,7 @@
       </p:sp>
       <p:sp>
         <p:nvSpPr>
-          <p:cNvPr id="2017895128" name="Google Shape;127;p4"/>
+          <p:cNvPr id="410811002" name="Google Shape;127;p4"/>
           <p:cNvSpPr/>
           <p:nvPr/>
         </p:nvSpPr>
@@ -14993,7 +14993,7 @@
       </p:sp>
       <p:sp>
         <p:nvSpPr>
-          <p:cNvPr id="1255895124" name="Google Shape;125;p4"/>
+          <p:cNvPr id="631276650" name="Google Shape;125;p4"/>
           <p:cNvSpPr/>
           <p:nvPr/>
         </p:nvSpPr>
@@ -15050,7 +15050,7 @@
       </p:sp>
       <p:sp>
         <p:nvSpPr>
-          <p:cNvPr id="1943337050" name="Google Shape;127;p4"/>
+          <p:cNvPr id="1386516797" name="Google Shape;127;p4"/>
           <p:cNvSpPr/>
           <p:nvPr/>
         </p:nvSpPr>
@@ -15107,7 +15107,7 @@
       </p:sp>
       <p:grpSp>
         <p:nvGrpSpPr>
-          <p:cNvPr id="1142163987" name="Группа 59"/>
+          <p:cNvPr id="346012332" name="Группа 59"/>
           <p:cNvGrpSpPr/>
           <p:nvPr/>
         </p:nvGrpSpPr>
@@ -15200,7 +15200,7 @@
       </p:grpSp>
       <p:sp>
         <p:nvSpPr>
-          <p:cNvPr id="688703144" name="Google Shape;127;p4"/>
+          <p:cNvPr id="1614116972" name="Google Shape;127;p4"/>
           <p:cNvSpPr/>
           <p:nvPr/>
         </p:nvSpPr>
@@ -15290,7 +15290,7 @@
       </p:grpSpPr>
       <p:sp>
         <p:nvSpPr>
-          <p:cNvPr id="1233167984" name="Текст 1"/>
+          <p:cNvPr id="778303444" name="Текст 1"/>
           <p:cNvSpPr>
             <a:spLocks noGrp="1"/>
           </p:cNvSpPr>
@@ -15408,7 +15408,7 @@
       </p:sp>
       <p:sp>
         <p:nvSpPr>
-          <p:cNvPr id="131572752" name="Текст 2"/>
+          <p:cNvPr id="1756353007" name="Текст 2"/>
           <p:cNvSpPr>
             <a:spLocks noGrp="1"/>
           </p:cNvSpPr>
@@ -15445,7 +15445,7 @@
       </p:sp>
       <p:sp>
         <p:nvSpPr>
-          <p:cNvPr id="213623967" name="Номер слайда 3"/>
+          <p:cNvPr id="559175769" name="Номер слайда 3"/>
           <p:cNvSpPr>
             <a:spLocks noGrp="1"/>
           </p:cNvSpPr>
@@ -15478,7 +15478,7 @@
       </p:sp>
       <p:grpSp>
         <p:nvGrpSpPr>
-          <p:cNvPr id="1297753317" name="Группа 7"/>
+          <p:cNvPr id="1314269693" name="Группа 7"/>
           <p:cNvGrpSpPr/>
           <p:nvPr/>
         </p:nvGrpSpPr>
@@ -15865,7 +15865,7 @@
       </p:grpSpPr>
       <p:sp>
         <p:nvSpPr>
-          <p:cNvPr id="234803688" name="Текст 1"/>
+          <p:cNvPr id="632390743" name="Текст 1"/>
           <p:cNvSpPr>
             <a:spLocks noGrp="1"/>
           </p:cNvSpPr>
@@ -16051,7 +16051,7 @@
       </p:sp>
       <p:sp>
         <p:nvSpPr>
-          <p:cNvPr id="255548119" name="Текст 2"/>
+          <p:cNvPr id="1738770932" name="Текст 2"/>
           <p:cNvSpPr>
             <a:spLocks noGrp="1"/>
           </p:cNvSpPr>
@@ -16084,7 +16084,7 @@
       </p:sp>
       <p:sp>
         <p:nvSpPr>
-          <p:cNvPr id="486965040" name="Номер слайда 3"/>
+          <p:cNvPr id="978728876" name="Номер слайда 3"/>
           <p:cNvSpPr>
             <a:spLocks noGrp="1"/>
           </p:cNvSpPr>
@@ -16117,7 +16117,7 @@
       </p:sp>
       <p:grpSp>
         <p:nvGrpSpPr>
-          <p:cNvPr id="843636420" name="Группа 7"/>
+          <p:cNvPr id="1260520574" name="Группа 7"/>
           <p:cNvGrpSpPr/>
           <p:nvPr/>
         </p:nvGrpSpPr>
@@ -16471,7 +16471,7 @@
       </p:grpSp>
       <p:pic>
         <p:nvPicPr>
-          <p:cNvPr id="1138985086" name=""/>
+          <p:cNvPr id="1574109213" name=""/>
           <p:cNvPicPr>
             <a:picLocks noChangeAspect="1"/>
           </p:cNvPicPr>
@@ -16493,7 +16493,7 @@
       </p:pic>
       <p:pic>
         <p:nvPicPr>
-          <p:cNvPr id="1157996259" name=""/>
+          <p:cNvPr id="1652741567" name=""/>
           <p:cNvPicPr>
             <a:picLocks noChangeAspect="1"/>
           </p:cNvPicPr>
@@ -16548,7 +16548,7 @@
       </p:grpSpPr>
       <p:pic>
         <p:nvPicPr>
-          <p:cNvPr id="992548448" name=""/>
+          <p:cNvPr id="1794401787" name=""/>
           <p:cNvPicPr>
             <a:picLocks noChangeAspect="1"/>
           </p:cNvPicPr>
@@ -16570,7 +16570,7 @@
       </p:pic>
       <p:sp>
         <p:nvSpPr>
-          <p:cNvPr id="1811754807" name="Текст 1"/>
+          <p:cNvPr id="1796196780" name="Текст 1"/>
           <p:cNvSpPr>
             <a:spLocks noGrp="1"/>
           </p:cNvSpPr>
@@ -16609,7 +16609,7 @@
       </p:sp>
       <p:sp>
         <p:nvSpPr>
-          <p:cNvPr id="243342452" name="Текст 2"/>
+          <p:cNvPr id="445566906" name="Текст 2"/>
           <p:cNvSpPr>
             <a:spLocks noGrp="1"/>
           </p:cNvSpPr>
@@ -16642,7 +16642,7 @@
       </p:sp>
       <p:sp>
         <p:nvSpPr>
-          <p:cNvPr id="1902827754" name="Номер слайда 3"/>
+          <p:cNvPr id="935246122" name="Номер слайда 3"/>
           <p:cNvSpPr>
             <a:spLocks noGrp="1"/>
           </p:cNvSpPr>
@@ -16675,7 +16675,7 @@
       </p:sp>
       <p:grpSp>
         <p:nvGrpSpPr>
-          <p:cNvPr id="2063608402" name="Группа 7"/>
+          <p:cNvPr id="1178724363" name="Группа 7"/>
           <p:cNvGrpSpPr/>
           <p:nvPr/>
         </p:nvGrpSpPr>
@@ -17062,7 +17062,7 @@
       </p:grpSpPr>
       <p:sp>
         <p:nvSpPr>
-          <p:cNvPr id="1511792823" name="Текст 1"/>
+          <p:cNvPr id="1118123725" name="Текст 1"/>
           <p:cNvSpPr>
             <a:spLocks noGrp="1"/>
           </p:cNvSpPr>
@@ -17219,7 +17219,7 @@
       </p:sp>
       <p:sp>
         <p:nvSpPr>
-          <p:cNvPr id="283238569" name="Текст 2"/>
+          <p:cNvPr id="137901871" name="Текст 2"/>
           <p:cNvSpPr>
             <a:spLocks noGrp="1"/>
           </p:cNvSpPr>
@@ -17252,7 +17252,7 @@
       </p:sp>
       <p:sp>
         <p:nvSpPr>
-          <p:cNvPr id="1619586704" name="Номер слайда 3"/>
+          <p:cNvPr id="1455019372" name="Номер слайда 3"/>
           <p:cNvSpPr>
             <a:spLocks noGrp="1"/>
           </p:cNvSpPr>
@@ -17285,7 +17285,7 @@
       </p:sp>
       <p:grpSp>
         <p:nvGrpSpPr>
-          <p:cNvPr id="1807309331" name="Группа 7"/>
+          <p:cNvPr id="1342401227" name="Группа 7"/>
           <p:cNvGrpSpPr/>
           <p:nvPr/>
         </p:nvGrpSpPr>
@@ -17672,7 +17672,7 @@
       </p:grpSpPr>
       <p:sp>
         <p:nvSpPr>
-          <p:cNvPr id="1734209731" name="Текст 1"/>
+          <p:cNvPr id="1017594596" name="Текст 1"/>
           <p:cNvSpPr>
             <a:spLocks noGrp="1"/>
           </p:cNvSpPr>
@@ -17966,7 +17966,7 @@
       </p:sp>
       <p:sp>
         <p:nvSpPr>
-          <p:cNvPr id="14435065" name="Текст 2"/>
+          <p:cNvPr id="31496329" name="Текст 2"/>
           <p:cNvSpPr>
             <a:spLocks noGrp="1"/>
           </p:cNvSpPr>
@@ -17999,7 +17999,7 @@
       </p:sp>
       <p:sp>
         <p:nvSpPr>
-          <p:cNvPr id="1405131014" name="Номер слайда 3"/>
+          <p:cNvPr id="553959908" name="Номер слайда 3"/>
           <p:cNvSpPr>
             <a:spLocks noGrp="1"/>
           </p:cNvSpPr>
@@ -18032,7 +18032,7 @@
       </p:sp>
       <p:grpSp>
         <p:nvGrpSpPr>
-          <p:cNvPr id="1835731892" name="Группа 7"/>
+          <p:cNvPr id="1816819658" name="Группа 7"/>
           <p:cNvGrpSpPr/>
           <p:nvPr/>
         </p:nvGrpSpPr>
@@ -18419,7 +18419,7 @@
       </p:grpSpPr>
       <p:sp>
         <p:nvSpPr>
-          <p:cNvPr id="261452052" name="Текст 1"/>
+          <p:cNvPr id="52186245" name="Текст 1"/>
           <p:cNvSpPr>
             <a:spLocks noGrp="1"/>
           </p:cNvSpPr>
@@ -18473,7 +18473,7 @@
       </p:sp>
       <p:sp>
         <p:nvSpPr>
-          <p:cNvPr id="972646809" name="Текст 2"/>
+          <p:cNvPr id="813492647" name="Текст 2"/>
           <p:cNvSpPr>
             <a:spLocks noGrp="1"/>
           </p:cNvSpPr>
@@ -18506,7 +18506,7 @@
       </p:sp>
       <p:sp>
         <p:nvSpPr>
-          <p:cNvPr id="1037360920" name="Номер слайда 3"/>
+          <p:cNvPr id="491420358" name="Номер слайда 3"/>
           <p:cNvSpPr>
             <a:spLocks noGrp="1"/>
           </p:cNvSpPr>
@@ -18539,7 +18539,7 @@
       </p:sp>
       <p:grpSp>
         <p:nvGrpSpPr>
-          <p:cNvPr id="1338340101" name="Группа 7"/>
+          <p:cNvPr id="2064432605" name="Группа 7"/>
           <p:cNvGrpSpPr/>
           <p:nvPr/>
         </p:nvGrpSpPr>
@@ -18893,7 +18893,7 @@
       </p:grpSp>
       <p:graphicFrame>
         <p:nvGraphicFramePr>
-          <p:cNvPr id="1981313473" name=""/>
+          <p:cNvPr id="1402447897" name=""/>
           <p:cNvGraphicFramePr>
             <a:graphicFrameLocks xmlns:a="http://schemas.openxmlformats.org/drawingml/2006/main"/>
           </p:cNvGraphicFramePr>
@@ -19942,7 +19942,7 @@
       </p:grpSpPr>
       <p:sp>
         <p:nvSpPr>
-          <p:cNvPr id="2112969094" name="Текст 1"/>
+          <p:cNvPr id="517381011" name="Текст 1"/>
           <p:cNvSpPr>
             <a:spLocks noGrp="1"/>
           </p:cNvSpPr>
@@ -20042,7 +20042,7 @@
       </p:sp>
       <p:sp>
         <p:nvSpPr>
-          <p:cNvPr id="1386572487" name="Текст 2"/>
+          <p:cNvPr id="114706100" name="Текст 2"/>
           <p:cNvSpPr>
             <a:spLocks noGrp="1"/>
           </p:cNvSpPr>
@@ -20075,7 +20075,7 @@
       </p:sp>
       <p:sp>
         <p:nvSpPr>
-          <p:cNvPr id="1950111806" name="Номер слайда 3"/>
+          <p:cNvPr id="1915757752" name="Номер слайда 3"/>
           <p:cNvSpPr>
             <a:spLocks noGrp="1"/>
           </p:cNvSpPr>
@@ -20108,7 +20108,7 @@
       </p:sp>
       <p:grpSp>
         <p:nvGrpSpPr>
-          <p:cNvPr id="1078272337" name="Группа 7"/>
+          <p:cNvPr id="1829788715" name="Группа 7"/>
           <p:cNvGrpSpPr/>
           <p:nvPr/>
         </p:nvGrpSpPr>

--- a/ВКР_презентация.pptx
+++ b/ВКР_презентация.pptx
@@ -276,7 +276,7 @@
       </p:grpSpPr>
       <p:sp>
         <p:nvSpPr>
-          <p:cNvPr id="747580547" name="Google Shape;3;n"/>
+          <p:cNvPr id="1229369358" name="Google Shape;3;n"/>
           <p:cNvSpPr>
             <a:spLocks noChangeAspect="1" noGrp="1" noRot="1"/>
           </p:cNvSpPr>
@@ -327,7 +327,7 @@
       </p:sp>
       <p:sp>
         <p:nvSpPr>
-          <p:cNvPr id="1859663003" name="Google Shape;4;n"/>
+          <p:cNvPr id="885539414" name="Google Shape;4;n"/>
           <p:cNvSpPr txBox="1">
             <a:spLocks noGrp="1"/>
           </p:cNvSpPr>
@@ -706,7 +706,7 @@
       </p:grpSpPr>
       <p:sp>
         <p:nvSpPr>
-          <p:cNvPr id="944086830" name="Google Shape;109;p1:notes"/>
+          <p:cNvPr id="1961327961" name="Google Shape;109;p1:notes"/>
           <p:cNvSpPr txBox="1">
             <a:spLocks noGrp="1"/>
           </p:cNvSpPr>
@@ -745,7 +745,7 @@
       </p:sp>
       <p:sp>
         <p:nvSpPr>
-          <p:cNvPr id="154474810" name="Google Shape;110;p1:notes"/>
+          <p:cNvPr id="218047051" name="Google Shape;110;p1:notes"/>
           <p:cNvSpPr>
             <a:spLocks noChangeAspect="1" noGrp="1" noRot="1"/>
           </p:cNvSpPr>
@@ -808,7 +808,7 @@
       </p:grpSpPr>
       <p:sp>
         <p:nvSpPr>
-          <p:cNvPr id="1347653147" name="Slide Image Placeholder 1"/>
+          <p:cNvPr id="1530027236" name="Slide Image Placeholder 1"/>
           <p:cNvSpPr>
             <a:spLocks noChangeAspect="1" noGrp="1" noRot="1"/>
           </p:cNvSpPr>
@@ -820,7 +820,7 @@
       </p:sp>
       <p:sp>
         <p:nvSpPr>
-          <p:cNvPr id="917126199" name="Notes Placeholder 2"/>
+          <p:cNvPr id="166020615" name="Notes Placeholder 2"/>
           <p:cNvSpPr>
             <a:spLocks noGrp="1"/>
           </p:cNvSpPr>
@@ -842,7 +842,7 @@
       </p:sp>
       <p:sp>
         <p:nvSpPr>
-          <p:cNvPr id="1698391734" name="Slide Number Placeholder 3"/>
+          <p:cNvPr id="837309055" name="Slide Number Placeholder 3"/>
           <p:cNvSpPr>
             <a:spLocks noGrp="1"/>
           </p:cNvSpPr>
@@ -890,7 +890,7 @@
       </p:grpSpPr>
       <p:sp>
         <p:nvSpPr>
-          <p:cNvPr id="1286904533" name="Slide Image Placeholder 1"/>
+          <p:cNvPr id="97566677" name="Slide Image Placeholder 1"/>
           <p:cNvSpPr>
             <a:spLocks noChangeAspect="1" noGrp="1" noRot="1"/>
           </p:cNvSpPr>
@@ -902,7 +902,7 @@
       </p:sp>
       <p:sp>
         <p:nvSpPr>
-          <p:cNvPr id="1342219623" name="Notes Placeholder 2"/>
+          <p:cNvPr id="238189774" name="Notes Placeholder 2"/>
           <p:cNvSpPr>
             <a:spLocks noGrp="1"/>
           </p:cNvSpPr>
@@ -924,7 +924,7 @@
       </p:sp>
       <p:sp>
         <p:nvSpPr>
-          <p:cNvPr id="949940933" name="Slide Number Placeholder 3"/>
+          <p:cNvPr id="1339233839" name="Slide Number Placeholder 3"/>
           <p:cNvSpPr>
             <a:spLocks noGrp="1"/>
           </p:cNvSpPr>
@@ -972,7 +972,7 @@
       </p:grpSpPr>
       <p:sp>
         <p:nvSpPr>
-          <p:cNvPr id="1868135221" name="Slide Image Placeholder 1"/>
+          <p:cNvPr id="480408916" name="Slide Image Placeholder 1"/>
           <p:cNvSpPr>
             <a:spLocks noChangeAspect="1" noGrp="1" noRot="1"/>
           </p:cNvSpPr>
@@ -984,7 +984,7 @@
       </p:sp>
       <p:sp>
         <p:nvSpPr>
-          <p:cNvPr id="589435908" name="Notes Placeholder 2"/>
+          <p:cNvPr id="1083300887" name="Notes Placeholder 2"/>
           <p:cNvSpPr>
             <a:spLocks noGrp="1"/>
           </p:cNvSpPr>
@@ -1006,7 +1006,7 @@
       </p:sp>
       <p:sp>
         <p:nvSpPr>
-          <p:cNvPr id="1945953649" name="Slide Number Placeholder 3"/>
+          <p:cNvPr id="1665306598" name="Slide Number Placeholder 3"/>
           <p:cNvSpPr>
             <a:spLocks noGrp="1"/>
           </p:cNvSpPr>
@@ -1054,7 +1054,7 @@
       </p:grpSpPr>
       <p:sp>
         <p:nvSpPr>
-          <p:cNvPr id="1808116424" name="Slide Image Placeholder 1"/>
+          <p:cNvPr id="1022736892" name="Slide Image Placeholder 1"/>
           <p:cNvSpPr>
             <a:spLocks noChangeAspect="1" noGrp="1" noRot="1"/>
           </p:cNvSpPr>
@@ -1066,7 +1066,7 @@
       </p:sp>
       <p:sp>
         <p:nvSpPr>
-          <p:cNvPr id="1314936829" name="Notes Placeholder 2"/>
+          <p:cNvPr id="1619841395" name="Notes Placeholder 2"/>
           <p:cNvSpPr>
             <a:spLocks noGrp="1"/>
           </p:cNvSpPr>
@@ -1088,7 +1088,7 @@
       </p:sp>
       <p:sp>
         <p:nvSpPr>
-          <p:cNvPr id="1621652574" name="Slide Number Placeholder 3"/>
+          <p:cNvPr id="614854272" name="Slide Number Placeholder 3"/>
           <p:cNvSpPr>
             <a:spLocks noGrp="1"/>
           </p:cNvSpPr>
@@ -1136,7 +1136,7 @@
       </p:grpSpPr>
       <p:sp>
         <p:nvSpPr>
-          <p:cNvPr id="1687022602" name="Slide Image Placeholder 1"/>
+          <p:cNvPr id="1881395505" name="Slide Image Placeholder 1"/>
           <p:cNvSpPr>
             <a:spLocks noChangeAspect="1" noGrp="1" noRot="1"/>
           </p:cNvSpPr>
@@ -1148,7 +1148,7 @@
       </p:sp>
       <p:sp>
         <p:nvSpPr>
-          <p:cNvPr id="957673298" name="Notes Placeholder 2"/>
+          <p:cNvPr id="630477064" name="Notes Placeholder 2"/>
           <p:cNvSpPr>
             <a:spLocks noGrp="1"/>
           </p:cNvSpPr>
@@ -1170,7 +1170,7 @@
       </p:sp>
       <p:sp>
         <p:nvSpPr>
-          <p:cNvPr id="777125100" name="Slide Number Placeholder 3"/>
+          <p:cNvPr id="845869378" name="Slide Number Placeholder 3"/>
           <p:cNvSpPr>
             <a:spLocks noGrp="1"/>
           </p:cNvSpPr>
@@ -1218,7 +1218,7 @@
       </p:grpSpPr>
       <p:sp>
         <p:nvSpPr>
-          <p:cNvPr id="1800430415" name="Slide Image Placeholder 1"/>
+          <p:cNvPr id="2036635305" name="Slide Image Placeholder 1"/>
           <p:cNvSpPr>
             <a:spLocks noChangeAspect="1" noGrp="1" noRot="1"/>
           </p:cNvSpPr>
@@ -1230,7 +1230,7 @@
       </p:sp>
       <p:sp>
         <p:nvSpPr>
-          <p:cNvPr id="76759120" name="Notes Placeholder 2"/>
+          <p:cNvPr id="1507872446" name="Notes Placeholder 2"/>
           <p:cNvSpPr>
             <a:spLocks noGrp="1"/>
           </p:cNvSpPr>
@@ -1252,7 +1252,7 @@
       </p:sp>
       <p:sp>
         <p:nvSpPr>
-          <p:cNvPr id="684246842" name="Slide Number Placeholder 3"/>
+          <p:cNvPr id="1389942200" name="Slide Number Placeholder 3"/>
           <p:cNvSpPr>
             <a:spLocks noGrp="1"/>
           </p:cNvSpPr>
@@ -1300,7 +1300,7 @@
       </p:grpSpPr>
       <p:sp>
         <p:nvSpPr>
-          <p:cNvPr id="1377208115" name="Slide Image Placeholder 1"/>
+          <p:cNvPr id="16622224" name="Slide Image Placeholder 1"/>
           <p:cNvSpPr>
             <a:spLocks noChangeAspect="1" noGrp="1" noRot="1"/>
           </p:cNvSpPr>
@@ -1312,7 +1312,7 @@
       </p:sp>
       <p:sp>
         <p:nvSpPr>
-          <p:cNvPr id="316854643" name="Notes Placeholder 2"/>
+          <p:cNvPr id="234517294" name="Notes Placeholder 2"/>
           <p:cNvSpPr>
             <a:spLocks noGrp="1"/>
           </p:cNvSpPr>
@@ -1334,7 +1334,7 @@
       </p:sp>
       <p:sp>
         <p:nvSpPr>
-          <p:cNvPr id="1062130855" name="Slide Number Placeholder 3"/>
+          <p:cNvPr id="1834220115" name="Slide Number Placeholder 3"/>
           <p:cNvSpPr>
             <a:spLocks noGrp="1"/>
           </p:cNvSpPr>
@@ -1382,7 +1382,7 @@
       </p:grpSpPr>
       <p:sp>
         <p:nvSpPr>
-          <p:cNvPr id="1839012972" name="Slide Image Placeholder 1"/>
+          <p:cNvPr id="1452844057" name="Slide Image Placeholder 1"/>
           <p:cNvSpPr>
             <a:spLocks noChangeAspect="1" noGrp="1" noRot="1"/>
           </p:cNvSpPr>
@@ -1394,7 +1394,7 @@
       </p:sp>
       <p:sp>
         <p:nvSpPr>
-          <p:cNvPr id="355631377" name="Notes Placeholder 2"/>
+          <p:cNvPr id="1806536638" name="Notes Placeholder 2"/>
           <p:cNvSpPr>
             <a:spLocks noGrp="1"/>
           </p:cNvSpPr>
@@ -1416,7 +1416,7 @@
       </p:sp>
       <p:sp>
         <p:nvSpPr>
-          <p:cNvPr id="1170459372" name="Slide Number Placeholder 3"/>
+          <p:cNvPr id="467868560" name="Slide Number Placeholder 3"/>
           <p:cNvSpPr>
             <a:spLocks noGrp="1"/>
           </p:cNvSpPr>
@@ -1464,7 +1464,7 @@
       </p:grpSpPr>
       <p:sp>
         <p:nvSpPr>
-          <p:cNvPr id="2032323084" name="Google Shape;136;p3:notes"/>
+          <p:cNvPr id="1473946275" name="Google Shape;136;p3:notes"/>
           <p:cNvSpPr txBox="1">
             <a:spLocks noGrp="1"/>
           </p:cNvSpPr>
@@ -1503,7 +1503,7 @@
       </p:sp>
       <p:sp>
         <p:nvSpPr>
-          <p:cNvPr id="36008686" name="Google Shape;137;p3:notes"/>
+          <p:cNvPr id="1481444812" name="Google Shape;137;p3:notes"/>
           <p:cNvSpPr>
             <a:spLocks noChangeAspect="1" noGrp="1" noRot="1"/>
           </p:cNvSpPr>
@@ -1566,7 +1566,7 @@
       </p:grpSpPr>
       <p:sp>
         <p:nvSpPr>
-          <p:cNvPr id="1387438055" name="Slide Image Placeholder 1"/>
+          <p:cNvPr id="1475519891" name="Slide Image Placeholder 1"/>
           <p:cNvSpPr>
             <a:spLocks noChangeAspect="1" noGrp="1" noRot="1"/>
           </p:cNvSpPr>
@@ -1578,7 +1578,7 @@
       </p:sp>
       <p:sp>
         <p:nvSpPr>
-          <p:cNvPr id="1961096005" name="Notes Placeholder 2"/>
+          <p:cNvPr id="432888991" name="Notes Placeholder 2"/>
           <p:cNvSpPr>
             <a:spLocks noGrp="1"/>
           </p:cNvSpPr>
@@ -1600,7 +1600,7 @@
       </p:sp>
       <p:sp>
         <p:nvSpPr>
-          <p:cNvPr id="40490390" name="Slide Number Placeholder 3"/>
+          <p:cNvPr id="178901814" name="Slide Number Placeholder 3"/>
           <p:cNvSpPr>
             <a:spLocks noGrp="1"/>
           </p:cNvSpPr>
@@ -1648,7 +1648,7 @@
       </p:grpSpPr>
       <p:sp>
         <p:nvSpPr>
-          <p:cNvPr id="239100273" name="Slide Image Placeholder 1"/>
+          <p:cNvPr id="1575343029" name="Slide Image Placeholder 1"/>
           <p:cNvSpPr>
             <a:spLocks noChangeAspect="1" noGrp="1" noRot="1"/>
           </p:cNvSpPr>
@@ -1660,7 +1660,7 @@
       </p:sp>
       <p:sp>
         <p:nvSpPr>
-          <p:cNvPr id="206375554" name="Notes Placeholder 2"/>
+          <p:cNvPr id="1552018958" name="Notes Placeholder 2"/>
           <p:cNvSpPr>
             <a:spLocks noGrp="1"/>
           </p:cNvSpPr>
@@ -1682,7 +1682,7 @@
       </p:sp>
       <p:sp>
         <p:nvSpPr>
-          <p:cNvPr id="681298635" name="Slide Number Placeholder 3"/>
+          <p:cNvPr id="1552118381" name="Slide Number Placeholder 3"/>
           <p:cNvSpPr>
             <a:spLocks noGrp="1"/>
           </p:cNvSpPr>
@@ -1730,7 +1730,7 @@
       </p:grpSpPr>
       <p:sp>
         <p:nvSpPr>
-          <p:cNvPr id="1783785482" name="Slide Image Placeholder 1"/>
+          <p:cNvPr id="1317494185" name="Slide Image Placeholder 1"/>
           <p:cNvSpPr>
             <a:spLocks noChangeAspect="1" noGrp="1" noRot="1"/>
           </p:cNvSpPr>
@@ -1742,7 +1742,7 @@
       </p:sp>
       <p:sp>
         <p:nvSpPr>
-          <p:cNvPr id="30551659" name="Notes Placeholder 2"/>
+          <p:cNvPr id="1681792141" name="Notes Placeholder 2"/>
           <p:cNvSpPr>
             <a:spLocks noGrp="1"/>
           </p:cNvSpPr>
@@ -1764,7 +1764,7 @@
       </p:sp>
       <p:sp>
         <p:nvSpPr>
-          <p:cNvPr id="1684443028" name="Slide Number Placeholder 3"/>
+          <p:cNvPr id="741485618" name="Slide Number Placeholder 3"/>
           <p:cNvSpPr>
             <a:spLocks noGrp="1"/>
           </p:cNvSpPr>
@@ -1812,7 +1812,7 @@
       </p:grpSpPr>
       <p:sp>
         <p:nvSpPr>
-          <p:cNvPr id="1034613940" name="Slide Image Placeholder 1"/>
+          <p:cNvPr id="547148689" name="Slide Image Placeholder 1"/>
           <p:cNvSpPr>
             <a:spLocks noChangeAspect="1" noGrp="1" noRot="1"/>
           </p:cNvSpPr>
@@ -1824,7 +1824,7 @@
       </p:sp>
       <p:sp>
         <p:nvSpPr>
-          <p:cNvPr id="1172931804" name="Notes Placeholder 2"/>
+          <p:cNvPr id="241928943" name="Notes Placeholder 2"/>
           <p:cNvSpPr>
             <a:spLocks noGrp="1"/>
           </p:cNvSpPr>
@@ -1846,7 +1846,7 @@
       </p:sp>
       <p:sp>
         <p:nvSpPr>
-          <p:cNvPr id="99051533" name="Slide Number Placeholder 3"/>
+          <p:cNvPr id="1915790282" name="Slide Number Placeholder 3"/>
           <p:cNvSpPr>
             <a:spLocks noGrp="1"/>
           </p:cNvSpPr>
@@ -1894,7 +1894,7 @@
       </p:grpSpPr>
       <p:sp>
         <p:nvSpPr>
-          <p:cNvPr id="1042946562" name="Slide Image Placeholder 1"/>
+          <p:cNvPr id="621255412" name="Slide Image Placeholder 1"/>
           <p:cNvSpPr>
             <a:spLocks noChangeAspect="1" noGrp="1" noRot="1"/>
           </p:cNvSpPr>
@@ -1906,7 +1906,7 @@
       </p:sp>
       <p:sp>
         <p:nvSpPr>
-          <p:cNvPr id="775239567" name="Notes Placeholder 2"/>
+          <p:cNvPr id="1238035048" name="Notes Placeholder 2"/>
           <p:cNvSpPr>
             <a:spLocks noGrp="1"/>
           </p:cNvSpPr>
@@ -1928,7 +1928,7 @@
       </p:sp>
       <p:sp>
         <p:nvSpPr>
-          <p:cNvPr id="2116887670" name="Slide Number Placeholder 3"/>
+          <p:cNvPr id="61351357" name="Slide Number Placeholder 3"/>
           <p:cNvSpPr>
             <a:spLocks noGrp="1"/>
           </p:cNvSpPr>
@@ -1976,7 +1976,7 @@
       </p:grpSpPr>
       <p:sp>
         <p:nvSpPr>
-          <p:cNvPr id="591705842" name="Slide Image Placeholder 1"/>
+          <p:cNvPr id="817878703" name="Slide Image Placeholder 1"/>
           <p:cNvSpPr>
             <a:spLocks noChangeAspect="1" noGrp="1" noRot="1"/>
           </p:cNvSpPr>
@@ -1988,7 +1988,7 @@
       </p:sp>
       <p:sp>
         <p:nvSpPr>
-          <p:cNvPr id="1943789295" name="Notes Placeholder 2"/>
+          <p:cNvPr id="1942835271" name="Notes Placeholder 2"/>
           <p:cNvSpPr>
             <a:spLocks noGrp="1"/>
           </p:cNvSpPr>
@@ -2010,7 +2010,7 @@
       </p:sp>
       <p:sp>
         <p:nvSpPr>
-          <p:cNvPr id="324292685" name="Slide Number Placeholder 3"/>
+          <p:cNvPr id="1155480636" name="Slide Number Placeholder 3"/>
           <p:cNvSpPr>
             <a:spLocks noGrp="1"/>
           </p:cNvSpPr>
@@ -2058,7 +2058,7 @@
       </p:grpSpPr>
       <p:sp>
         <p:nvSpPr>
-          <p:cNvPr id="812938870" name="Slide Image Placeholder 1"/>
+          <p:cNvPr id="1977666149" name="Slide Image Placeholder 1"/>
           <p:cNvSpPr>
             <a:spLocks noChangeAspect="1" noGrp="1" noRot="1"/>
           </p:cNvSpPr>
@@ -2070,7 +2070,7 @@
       </p:sp>
       <p:sp>
         <p:nvSpPr>
-          <p:cNvPr id="87249491" name="Notes Placeholder 2"/>
+          <p:cNvPr id="1978883278" name="Notes Placeholder 2"/>
           <p:cNvSpPr>
             <a:spLocks noGrp="1"/>
           </p:cNvSpPr>
@@ -2092,7 +2092,7 @@
       </p:sp>
       <p:sp>
         <p:nvSpPr>
-          <p:cNvPr id="238753095" name="Slide Number Placeholder 3"/>
+          <p:cNvPr id="1516569092" name="Slide Number Placeholder 3"/>
           <p:cNvSpPr>
             <a:spLocks noGrp="1"/>
           </p:cNvSpPr>
@@ -2140,7 +2140,7 @@
       </p:grpSpPr>
       <p:sp>
         <p:nvSpPr>
-          <p:cNvPr id="1620270423" name="Slide Image Placeholder 1"/>
+          <p:cNvPr id="158488589" name="Slide Image Placeholder 1"/>
           <p:cNvSpPr>
             <a:spLocks noChangeAspect="1" noGrp="1" noRot="1"/>
           </p:cNvSpPr>
@@ -2152,7 +2152,7 @@
       </p:sp>
       <p:sp>
         <p:nvSpPr>
-          <p:cNvPr id="458663880" name="Notes Placeholder 2"/>
+          <p:cNvPr id="281219542" name="Notes Placeholder 2"/>
           <p:cNvSpPr>
             <a:spLocks noGrp="1"/>
           </p:cNvSpPr>
@@ -2174,7 +2174,7 @@
       </p:sp>
       <p:sp>
         <p:nvSpPr>
-          <p:cNvPr id="137635257" name="Slide Number Placeholder 3"/>
+          <p:cNvPr id="1566290907" name="Slide Number Placeholder 3"/>
           <p:cNvSpPr>
             <a:spLocks noGrp="1"/>
           </p:cNvSpPr>
@@ -2227,7 +2227,7 @@
       </p:grpSpPr>
       <p:pic>
         <p:nvPicPr>
-          <p:cNvPr id="1503802747" name="Google Shape;88;p1"/>
+          <p:cNvPr id="867629097" name="Google Shape;88;p1"/>
           <p:cNvPicPr/>
           <p:nvPr userDrawn="1"/>
         </p:nvPicPr>
@@ -2254,7 +2254,7 @@
       </p:pic>
       <p:grpSp>
         <p:nvGrpSpPr>
-          <p:cNvPr id="1965541027" name="Группа 6"/>
+          <p:cNvPr id="1943890736" name="Группа 6"/>
           <p:cNvGrpSpPr/>
           <p:nvPr userDrawn="1"/>
         </p:nvGrpSpPr>
@@ -2343,7 +2343,7 @@
       </p:grpSp>
       <p:pic>
         <p:nvPicPr>
-          <p:cNvPr id="465335032" name="Рисунок 2"/>
+          <p:cNvPr id="1551274221" name="Рисунок 2"/>
           <p:cNvPicPr>
             <a:picLocks noChangeAspect="1"/>
           </p:cNvPicPr>
@@ -2365,7 +2365,7 @@
       </p:pic>
       <p:sp>
         <p:nvSpPr>
-          <p:cNvPr id="2033000849" name="Google Shape;11;p5"/>
+          <p:cNvPr id="683362799" name="Google Shape;11;p5"/>
           <p:cNvSpPr txBox="1">
             <a:spLocks noGrp="1"/>
           </p:cNvSpPr>
@@ -2519,7 +2519,7 @@
       </p:sp>
       <p:sp>
         <p:nvSpPr>
-          <p:cNvPr id="882251765" name="Google Shape;12;p5"/>
+          <p:cNvPr id="625515821" name="Google Shape;12;p5"/>
           <p:cNvSpPr txBox="1">
             <a:spLocks noGrp="1"/>
           </p:cNvSpPr>
@@ -2735,7 +2735,7 @@
       </p:grpSpPr>
       <p:sp>
         <p:nvSpPr>
-          <p:cNvPr id="1485993812" name="Google Shape;28;p8"/>
+          <p:cNvPr id="1379914500" name="Google Shape;28;p8"/>
           <p:cNvSpPr txBox="1">
             <a:spLocks noGrp="1"/>
           </p:cNvSpPr>
@@ -2949,7 +2949,7 @@
       </p:sp>
       <p:sp>
         <p:nvSpPr>
-          <p:cNvPr id="1665524244" name="Google Shape;30;p8"/>
+          <p:cNvPr id="1975076645" name="Google Shape;30;p8"/>
           <p:cNvSpPr txBox="1">
             <a:spLocks noGrp="1"/>
           </p:cNvSpPr>
@@ -3141,7 +3141,7 @@
       </p:sp>
       <p:sp>
         <p:nvSpPr>
-          <p:cNvPr id="838287871" name="Google Shape;83;p17"/>
+          <p:cNvPr id="970578352" name="Google Shape;83;p17"/>
           <p:cNvSpPr txBox="1">
             <a:spLocks noGrp="1"/>
           </p:cNvSpPr>
@@ -3277,7 +3277,7 @@
       </p:grpSpPr>
       <p:sp>
         <p:nvSpPr>
-          <p:cNvPr id="1682644061" name="Google Shape;83;p17"/>
+          <p:cNvPr id="891193424" name="Google Shape;83;p17"/>
           <p:cNvSpPr txBox="1">
             <a:spLocks noGrp="1"/>
           </p:cNvSpPr>
@@ -3388,7 +3388,7 @@
       </p:sp>
       <p:sp>
         <p:nvSpPr>
-          <p:cNvPr id="1802574175" name="Google Shape;47;p11"/>
+          <p:cNvPr id="1469936355" name="Google Shape;47;p11"/>
           <p:cNvSpPr txBox="1">
             <a:spLocks noGrp="1"/>
           </p:cNvSpPr>
@@ -3602,7 +3602,7 @@
       </p:sp>
       <p:sp>
         <p:nvSpPr>
-          <p:cNvPr id="1236549219" name="Google Shape;48;p11"/>
+          <p:cNvPr id="1778071513" name="Google Shape;48;p11"/>
           <p:cNvSpPr txBox="1">
             <a:spLocks noGrp="1"/>
           </p:cNvSpPr>
@@ -3816,7 +3816,7 @@
       </p:sp>
       <p:sp>
         <p:nvSpPr>
-          <p:cNvPr id="544042115" name="Google Shape;30;p8"/>
+          <p:cNvPr id="1946760575" name="Google Shape;30;p8"/>
           <p:cNvSpPr txBox="1">
             <a:spLocks noGrp="1"/>
           </p:cNvSpPr>
@@ -4027,7 +4027,7 @@
       </p:grpSpPr>
       <p:sp>
         <p:nvSpPr>
-          <p:cNvPr id="461679201" name="Google Shape;83;p17"/>
+          <p:cNvPr id="173106348" name="Google Shape;83;p17"/>
           <p:cNvSpPr txBox="1">
             <a:spLocks noGrp="1"/>
           </p:cNvSpPr>
@@ -4163,7 +4163,7 @@
       </p:grpSpPr>
       <p:sp>
         <p:nvSpPr>
-          <p:cNvPr id="640391050" name="Google Shape;83;p17"/>
+          <p:cNvPr id="1047495172" name="Google Shape;83;p17"/>
           <p:cNvSpPr txBox="1">
             <a:spLocks noGrp="1"/>
           </p:cNvSpPr>
@@ -4299,7 +4299,7 @@
       </p:grpSpPr>
       <p:sp>
         <p:nvSpPr>
-          <p:cNvPr id="1630631047" name="Google Shape;81;p17"/>
+          <p:cNvPr id="1843377452" name="Google Shape;81;p17"/>
           <p:cNvSpPr txBox="1">
             <a:spLocks noGrp="1"/>
           </p:cNvSpPr>
@@ -4513,7 +4513,7 @@
       </p:sp>
       <p:sp>
         <p:nvSpPr>
-          <p:cNvPr id="972857209" name="Google Shape;82;p17"/>
+          <p:cNvPr id="943853442" name="Google Shape;82;p17"/>
           <p:cNvSpPr txBox="1">
             <a:spLocks noGrp="1"/>
           </p:cNvSpPr>
@@ -4732,7 +4732,7 @@
       </p:sp>
       <p:sp>
         <p:nvSpPr>
-          <p:cNvPr id="632169837" name="Google Shape;83;p17"/>
+          <p:cNvPr id="631456531" name="Google Shape;83;p17"/>
           <p:cNvSpPr txBox="1">
             <a:spLocks noGrp="1"/>
           </p:cNvSpPr>
@@ -4868,7 +4868,7 @@
       </p:grpSpPr>
       <p:sp>
         <p:nvSpPr>
-          <p:cNvPr id="1409387502" name="Google Shape;75;p16"/>
+          <p:cNvPr id="1623437924" name="Google Shape;75;p16"/>
           <p:cNvSpPr txBox="1">
             <a:spLocks noGrp="1"/>
           </p:cNvSpPr>
@@ -5019,7 +5019,7 @@
       </p:sp>
       <p:sp>
         <p:nvSpPr>
-          <p:cNvPr id="635077907" name="Google Shape;76;p16"/>
+          <p:cNvPr id="924969004" name="Google Shape;76;p16"/>
           <p:cNvSpPr txBox="1">
             <a:spLocks noGrp="1"/>
           </p:cNvSpPr>
@@ -5216,7 +5216,7 @@
       </p:sp>
       <p:sp>
         <p:nvSpPr>
-          <p:cNvPr id="1640754388" name="Google Shape;77;p16"/>
+          <p:cNvPr id="2033817646" name="Google Shape;77;p16"/>
           <p:cNvSpPr txBox="1">
             <a:spLocks noGrp="1"/>
           </p:cNvSpPr>
@@ -5435,7 +5435,7 @@
       </p:sp>
       <p:sp>
         <p:nvSpPr>
-          <p:cNvPr id="965231016" name="Google Shape;83;p17"/>
+          <p:cNvPr id="874443723" name="Google Shape;83;p17"/>
           <p:cNvSpPr txBox="1">
             <a:spLocks noGrp="1"/>
           </p:cNvSpPr>
@@ -5571,7 +5571,7 @@
       </p:grpSpPr>
       <p:sp>
         <p:nvSpPr>
-          <p:cNvPr id="711148591" name="Google Shape;85;p18"/>
+          <p:cNvPr id="1444534173" name="Google Shape;85;p18"/>
           <p:cNvSpPr txBox="1">
             <a:spLocks noGrp="1"/>
           </p:cNvSpPr>
@@ -5722,7 +5722,7 @@
       </p:sp>
       <p:sp>
         <p:nvSpPr>
-          <p:cNvPr id="1466945625" name="Google Shape;86;p18"/>
+          <p:cNvPr id="1026193583" name="Google Shape;86;p18"/>
           <p:cNvSpPr>
             <a:spLocks noGrp="1"/>
           </p:cNvSpPr>
@@ -5776,7 +5776,7 @@
       </p:sp>
       <p:sp>
         <p:nvSpPr>
-          <p:cNvPr id="1317633668" name="Google Shape;87;p18"/>
+          <p:cNvPr id="703260126" name="Google Shape;87;p18"/>
           <p:cNvSpPr txBox="1">
             <a:spLocks noGrp="1"/>
           </p:cNvSpPr>
@@ -5995,7 +5995,7 @@
       </p:sp>
       <p:sp>
         <p:nvSpPr>
-          <p:cNvPr id="2082797181" name="Google Shape;83;p17"/>
+          <p:cNvPr id="1468574717" name="Google Shape;83;p17"/>
           <p:cNvSpPr txBox="1">
             <a:spLocks noGrp="1"/>
           </p:cNvSpPr>
@@ -6131,7 +6131,7 @@
       </p:grpSpPr>
       <p:pic>
         <p:nvPicPr>
-          <p:cNvPr id="1407261734" name="Google Shape;88;p1"/>
+          <p:cNvPr id="724796659" name="Google Shape;88;p1"/>
           <p:cNvPicPr/>
           <p:nvPr userDrawn="1"/>
         </p:nvPicPr>
@@ -6158,7 +6158,7 @@
       </p:pic>
       <p:pic>
         <p:nvPicPr>
-          <p:cNvPr id="897929578" name="Рисунок 4"/>
+          <p:cNvPr id="563207376" name="Рисунок 4"/>
           <p:cNvPicPr>
             <a:picLocks noChangeAspect="1"/>
           </p:cNvPicPr>
@@ -6180,7 +6180,7 @@
       </p:pic>
       <p:pic>
         <p:nvPicPr>
-          <p:cNvPr id="1173388314" name="Рисунок 3"/>
+          <p:cNvPr id="2041813927" name="Рисунок 3"/>
           <p:cNvPicPr>
             <a:picLocks noChangeAspect="1"/>
           </p:cNvPicPr>
@@ -6202,7 +6202,7 @@
       </p:pic>
       <p:sp>
         <p:nvSpPr>
-          <p:cNvPr id="447958541" name="TextBox 28"/>
+          <p:cNvPr id="3734902" name="TextBox 28"/>
           <p:cNvSpPr txBox="1"/>
           <p:nvPr userDrawn="1"/>
         </p:nvSpPr>
@@ -6251,7 +6251,7 @@
       </p:sp>
       <p:sp>
         <p:nvSpPr>
-          <p:cNvPr id="649865954" name="Прямоугольник 58"/>
+          <p:cNvPr id="1105923141" name="Прямоугольник 58"/>
           <p:cNvSpPr/>
           <p:nvPr userDrawn="1"/>
         </p:nvSpPr>
@@ -6416,7 +6416,7 @@
       </p:grpSpPr>
       <p:pic>
         <p:nvPicPr>
-          <p:cNvPr id="471909054" name="Рисунок 2"/>
+          <p:cNvPr id="798799458" name="Рисунок 2"/>
           <p:cNvPicPr>
             <a:picLocks noChangeAspect="1"/>
           </p:cNvPicPr>
@@ -6438,7 +6438,7 @@
       </p:pic>
       <p:sp>
         <p:nvSpPr>
-          <p:cNvPr id="9182328" name="Google Shape;7;p4"/>
+          <p:cNvPr id="472694127" name="Google Shape;7;p4"/>
           <p:cNvSpPr txBox="1">
             <a:spLocks noGrp="1"/>
           </p:cNvSpPr>
@@ -6713,7 +6713,7 @@
       </p:sp>
       <p:sp>
         <p:nvSpPr>
-          <p:cNvPr id="175834150" name="Google Shape;8;p4"/>
+          <p:cNvPr id="801684739" name="Google Shape;8;p4"/>
           <p:cNvSpPr txBox="1">
             <a:spLocks noGrp="1"/>
           </p:cNvSpPr>
@@ -7578,7 +7578,7 @@
       </p:grpSpPr>
       <p:sp>
         <p:nvSpPr>
-          <p:cNvPr id="560275144" name="Заголовок 1"/>
+          <p:cNvPr id="943961152" name="Заголовок 1"/>
           <p:cNvSpPr>
             <a:spLocks noGrp="1"/>
           </p:cNvSpPr>
@@ -7631,7 +7631,7 @@
       </p:sp>
       <p:sp>
         <p:nvSpPr>
-          <p:cNvPr id="1311191955" name="Подзаголовок 2"/>
+          <p:cNvPr id="2103011571" name="Подзаголовок 2"/>
           <p:cNvSpPr>
             <a:spLocks noGrp="1"/>
           </p:cNvSpPr>
@@ -7699,7 +7699,7 @@
       </p:grpSpPr>
       <p:sp>
         <p:nvSpPr>
-          <p:cNvPr id="1374609381" name="Текст 1"/>
+          <p:cNvPr id="832814177" name="Текст 1"/>
           <p:cNvSpPr>
             <a:spLocks noGrp="1"/>
           </p:cNvSpPr>
@@ -7738,7 +7738,7 @@
       </p:sp>
       <p:sp>
         <p:nvSpPr>
-          <p:cNvPr id="1807724563" name="Текст 2"/>
+          <p:cNvPr id="1245822649" name="Текст 2"/>
           <p:cNvSpPr>
             <a:spLocks noGrp="1"/>
           </p:cNvSpPr>
@@ -7771,7 +7771,7 @@
       </p:sp>
       <p:sp>
         <p:nvSpPr>
-          <p:cNvPr id="2006576183" name="Номер слайда 3"/>
+          <p:cNvPr id="898727113" name="Номер слайда 3"/>
           <p:cNvSpPr>
             <a:spLocks noGrp="1"/>
           </p:cNvSpPr>
@@ -7804,7 +7804,7 @@
       </p:sp>
       <p:grpSp>
         <p:nvGrpSpPr>
-          <p:cNvPr id="1570155092" name="Группа 7"/>
+          <p:cNvPr id="1327990942" name="Группа 7"/>
           <p:cNvGrpSpPr/>
           <p:nvPr/>
         </p:nvGrpSpPr>
@@ -8158,7 +8158,7 @@
       </p:grpSp>
       <p:pic>
         <p:nvPicPr>
-          <p:cNvPr id="1517698848" name=""/>
+          <p:cNvPr id="558878587" name=""/>
           <p:cNvPicPr>
             <a:picLocks noChangeAspect="1"/>
           </p:cNvPicPr>
@@ -8213,7 +8213,7 @@
       </p:grpSpPr>
       <p:sp>
         <p:nvSpPr>
-          <p:cNvPr id="232847936" name="Текст 1"/>
+          <p:cNvPr id="1092835631" name="Текст 1"/>
           <p:cNvSpPr>
             <a:spLocks noGrp="1"/>
           </p:cNvSpPr>
@@ -8256,7 +8256,7 @@
       </p:sp>
       <p:sp>
         <p:nvSpPr>
-          <p:cNvPr id="2048236937" name="Текст 2"/>
+          <p:cNvPr id="638609569" name="Текст 2"/>
           <p:cNvSpPr>
             <a:spLocks noGrp="1"/>
           </p:cNvSpPr>
@@ -8297,7 +8297,7 @@
       </p:sp>
       <p:sp>
         <p:nvSpPr>
-          <p:cNvPr id="2022022377" name="Номер слайда 3"/>
+          <p:cNvPr id="650402342" name="Номер слайда 3"/>
           <p:cNvSpPr>
             <a:spLocks noGrp="1"/>
           </p:cNvSpPr>
@@ -8330,7 +8330,7 @@
       </p:sp>
       <p:grpSp>
         <p:nvGrpSpPr>
-          <p:cNvPr id="658094365" name="Группа 7"/>
+          <p:cNvPr id="1995211841" name="Группа 7"/>
           <p:cNvGrpSpPr/>
           <p:nvPr/>
         </p:nvGrpSpPr>
@@ -8684,7 +8684,7 @@
       </p:grpSp>
       <p:graphicFrame>
         <p:nvGraphicFramePr>
-          <p:cNvPr id="1457589374" name=""/>
+          <p:cNvPr id="1466312744" name=""/>
           <p:cNvGraphicFramePr>
             <a:graphicFrameLocks xmlns:a="http://schemas.openxmlformats.org/drawingml/2006/main"/>
           </p:cNvGraphicFramePr>
@@ -8994,7 +8994,7 @@
       </p:grpSpPr>
       <p:sp>
         <p:nvSpPr>
-          <p:cNvPr id="969050954" name="Текст 1"/>
+          <p:cNvPr id="868612872" name="Текст 1"/>
           <p:cNvSpPr>
             <a:spLocks noGrp="1"/>
           </p:cNvSpPr>
@@ -9137,7 +9137,7 @@
       </p:sp>
       <p:sp>
         <p:nvSpPr>
-          <p:cNvPr id="21981280" name="Текст 2"/>
+          <p:cNvPr id="325518284" name="Текст 2"/>
           <p:cNvSpPr>
             <a:spLocks noGrp="1"/>
           </p:cNvSpPr>
@@ -9170,7 +9170,7 @@
       </p:sp>
       <p:sp>
         <p:nvSpPr>
-          <p:cNvPr id="1082402741" name="Номер слайда 3"/>
+          <p:cNvPr id="805597677" name="Номер слайда 3"/>
           <p:cNvSpPr>
             <a:spLocks noGrp="1"/>
           </p:cNvSpPr>
@@ -9203,7 +9203,7 @@
       </p:sp>
       <p:grpSp>
         <p:nvGrpSpPr>
-          <p:cNvPr id="201527993" name="Группа 7"/>
+          <p:cNvPr id="1528945091" name="Группа 7"/>
           <p:cNvGrpSpPr/>
           <p:nvPr/>
         </p:nvGrpSpPr>
@@ -9557,7 +9557,7 @@
       </p:grpSp>
       <p:pic>
         <p:nvPicPr>
-          <p:cNvPr id="2001564779" name=""/>
+          <p:cNvPr id="1076972842" name=""/>
           <p:cNvPicPr>
             <a:picLocks noChangeAspect="1"/>
           </p:cNvPicPr>
@@ -9612,7 +9612,7 @@
       </p:grpSpPr>
       <p:sp>
         <p:nvSpPr>
-          <p:cNvPr id="1928029838" name="Текст 1"/>
+          <p:cNvPr id="1202807827" name="Текст 1"/>
           <p:cNvSpPr>
             <a:spLocks noGrp="1"/>
           </p:cNvSpPr>
@@ -9651,7 +9651,7 @@
       </p:sp>
       <p:sp>
         <p:nvSpPr>
-          <p:cNvPr id="1626578414" name="Текст 2"/>
+          <p:cNvPr id="1319917664" name="Текст 2"/>
           <p:cNvSpPr>
             <a:spLocks noGrp="1"/>
           </p:cNvSpPr>
@@ -9684,7 +9684,7 @@
       </p:sp>
       <p:sp>
         <p:nvSpPr>
-          <p:cNvPr id="852475454" name="Номер слайда 3"/>
+          <p:cNvPr id="1560687336" name="Номер слайда 3"/>
           <p:cNvSpPr>
             <a:spLocks noGrp="1"/>
           </p:cNvSpPr>
@@ -9717,7 +9717,7 @@
       </p:sp>
       <p:grpSp>
         <p:nvGrpSpPr>
-          <p:cNvPr id="710632701" name="Группа 7"/>
+          <p:cNvPr id="18431923" name="Группа 7"/>
           <p:cNvGrpSpPr/>
           <p:nvPr/>
         </p:nvGrpSpPr>
@@ -10071,7 +10071,7 @@
       </p:grpSp>
       <p:graphicFrame>
         <p:nvGraphicFramePr>
-          <p:cNvPr id="400761320" name=""/>
+          <p:cNvPr id="1239377501" name=""/>
           <p:cNvGraphicFramePr>
             <a:graphicFrameLocks xmlns:a="http://schemas.openxmlformats.org/drawingml/2006/main"/>
           </p:cNvGraphicFramePr>
@@ -10300,7 +10300,7 @@
       </p:grpSpPr>
       <p:sp>
         <p:nvSpPr>
-          <p:cNvPr id="1007848527" name="Номер слайда 3"/>
+          <p:cNvPr id="1641521494" name="Номер слайда 3"/>
           <p:cNvSpPr>
             <a:spLocks noGrp="1"/>
           </p:cNvSpPr>
@@ -10338,7 +10338,7 @@
       </p:sp>
       <p:sp>
         <p:nvSpPr>
-          <p:cNvPr id="416789148" name="Текст 2"/>
+          <p:cNvPr id="1861457287" name="Текст 2"/>
           <p:cNvSpPr txBox="1"/>
           <p:nvPr/>
         </p:nvSpPr>
@@ -10611,7 +10611,7 @@
       </p:sp>
       <p:grpSp>
         <p:nvGrpSpPr>
-          <p:cNvPr id="2095709713" name="Группа 18"/>
+          <p:cNvPr id="972218355" name="Группа 18"/>
           <p:cNvGrpSpPr/>
           <p:nvPr/>
         </p:nvGrpSpPr>
@@ -10965,7 +10965,7 @@
       </p:grpSp>
       <p:grpSp>
         <p:nvGrpSpPr>
-          <p:cNvPr id="1144663005" name="Группа 7"/>
+          <p:cNvPr id="1197067640" name="Группа 7"/>
           <p:cNvGrpSpPr/>
           <p:nvPr/>
         </p:nvGrpSpPr>
@@ -11052,7 +11052,7 @@
             <p:nvPr/>
           </p:nvSpPr>
           <p:spPr bwMode="auto">
-            <a:xfrm rot="10799955" flipH="1">
+            <a:xfrm rot="10799954" flipH="1">
               <a:off x="0" y="0"/>
               <a:ext cx="62759" cy="666000"/>
             </a:xfrm>
@@ -11319,7 +11319,7 @@
       </p:grpSp>
       <p:pic>
         <p:nvPicPr>
-          <p:cNvPr id="365763952" name=""/>
+          <p:cNvPr id="1242306668" name=""/>
           <p:cNvPicPr>
             <a:picLocks noChangeAspect="1"/>
           </p:cNvPicPr>
@@ -11374,7 +11374,7 @@
       </p:grpSpPr>
       <p:sp>
         <p:nvSpPr>
-          <p:cNvPr id="446448577" name="Номер слайда 3"/>
+          <p:cNvPr id="1102318814" name="Номер слайда 3"/>
           <p:cNvSpPr>
             <a:spLocks noGrp="1"/>
           </p:cNvSpPr>
@@ -11412,7 +11412,7 @@
       </p:sp>
       <p:sp>
         <p:nvSpPr>
-          <p:cNvPr id="440805534" name="Текст 2"/>
+          <p:cNvPr id="1728819498" name="Текст 2"/>
           <p:cNvSpPr txBox="1"/>
           <p:nvPr/>
         </p:nvSpPr>
@@ -11685,7 +11685,7 @@
       </p:sp>
       <p:grpSp>
         <p:nvGrpSpPr>
-          <p:cNvPr id="32246494" name="Группа 18"/>
+          <p:cNvPr id="1043433088" name="Группа 18"/>
           <p:cNvGrpSpPr/>
           <p:nvPr/>
         </p:nvGrpSpPr>
@@ -12039,7 +12039,7 @@
       </p:grpSp>
       <p:grpSp>
         <p:nvGrpSpPr>
-          <p:cNvPr id="1608823518" name="Группа 7"/>
+          <p:cNvPr id="1370088789" name="Группа 7"/>
           <p:cNvGrpSpPr/>
           <p:nvPr/>
         </p:nvGrpSpPr>
@@ -12126,7 +12126,7 @@
             <p:nvPr/>
           </p:nvSpPr>
           <p:spPr bwMode="auto">
-            <a:xfrm rot="10799955" flipH="1">
+            <a:xfrm rot="10799954" flipH="1">
               <a:off x="0" y="0"/>
               <a:ext cx="62759" cy="666000"/>
             </a:xfrm>
@@ -12393,7 +12393,7 @@
       </p:grpSp>
       <p:pic>
         <p:nvPicPr>
-          <p:cNvPr id="1164233383" name=""/>
+          <p:cNvPr id="686882198" name=""/>
           <p:cNvPicPr>
             <a:picLocks noChangeAspect="1"/>
           </p:cNvPicPr>
@@ -12448,7 +12448,7 @@
       </p:grpSpPr>
       <p:sp>
         <p:nvSpPr>
-          <p:cNvPr id="1970928918" name="Номер слайда 3"/>
+          <p:cNvPr id="643963184" name="Номер слайда 3"/>
           <p:cNvSpPr>
             <a:spLocks noGrp="1"/>
           </p:cNvSpPr>
@@ -12486,7 +12486,7 @@
       </p:sp>
       <p:sp>
         <p:nvSpPr>
-          <p:cNvPr id="436225458" name="Текст 2"/>
+          <p:cNvPr id="1117029428" name="Текст 2"/>
           <p:cNvSpPr txBox="1"/>
           <p:nvPr/>
         </p:nvSpPr>
@@ -12759,7 +12759,7 @@
       </p:sp>
       <p:grpSp>
         <p:nvGrpSpPr>
-          <p:cNvPr id="1302199680" name="Группа 18"/>
+          <p:cNvPr id="1359460285" name="Группа 18"/>
           <p:cNvGrpSpPr/>
           <p:nvPr/>
         </p:nvGrpSpPr>
@@ -13113,7 +13113,7 @@
       </p:grpSp>
       <p:grpSp>
         <p:nvGrpSpPr>
-          <p:cNvPr id="813140915" name="Группа 7"/>
+          <p:cNvPr id="1524036811" name="Группа 7"/>
           <p:cNvGrpSpPr/>
           <p:nvPr/>
         </p:nvGrpSpPr>
@@ -13200,7 +13200,7 @@
             <p:nvPr/>
           </p:nvSpPr>
           <p:spPr bwMode="auto">
-            <a:xfrm rot="10799955" flipH="1">
+            <a:xfrm rot="10799954" flipH="1">
               <a:off x="0" y="0"/>
               <a:ext cx="62759" cy="666000"/>
             </a:xfrm>
@@ -13467,7 +13467,7 @@
       </p:grpSp>
       <p:pic>
         <p:nvPicPr>
-          <p:cNvPr id="433776956" name=""/>
+          <p:cNvPr id="399825072" name=""/>
           <p:cNvPicPr>
             <a:picLocks noChangeAspect="1"/>
           </p:cNvPicPr>
@@ -13522,7 +13522,7 @@
       </p:grpSpPr>
       <p:sp>
         <p:nvSpPr>
-          <p:cNvPr id="1589242451" name="Номер слайда 2"/>
+          <p:cNvPr id="1185990720" name="Номер слайда 2"/>
           <p:cNvSpPr>
             <a:spLocks noGrp="1"/>
           </p:cNvSpPr>
@@ -13555,7 +13555,7 @@
       </p:sp>
       <p:sp>
         <p:nvSpPr>
-          <p:cNvPr id="230277591" name="Текст 3"/>
+          <p:cNvPr id="1579632339" name="Текст 3"/>
           <p:cNvSpPr>
             <a:spLocks noGrp="1"/>
           </p:cNvSpPr>
@@ -13589,7 +13589,7 @@
       </p:sp>
       <p:sp>
         <p:nvSpPr>
-          <p:cNvPr id="1107204874" name="Текст 1"/>
+          <p:cNvPr id="2057332633" name="Текст 1"/>
           <p:cNvSpPr>
             <a:spLocks noGrp="1"/>
           </p:cNvSpPr>
@@ -13622,7 +13622,7 @@
       </p:sp>
       <p:grpSp>
         <p:nvGrpSpPr>
-          <p:cNvPr id="890792924" name="Группа 7"/>
+          <p:cNvPr id="762964168" name="Группа 7"/>
           <p:cNvGrpSpPr/>
           <p:nvPr/>
         </p:nvGrpSpPr>
@@ -14042,7 +14042,7 @@
       </p:grpSpPr>
       <p:grpSp>
         <p:nvGrpSpPr>
-          <p:cNvPr id="1521853448" name="Группа 64"/>
+          <p:cNvPr id="1923156936" name="Группа 64"/>
           <p:cNvGrpSpPr/>
           <p:nvPr/>
         </p:nvGrpSpPr>
@@ -14396,7 +14396,7 @@
       </p:grpSp>
       <p:sp>
         <p:nvSpPr>
-          <p:cNvPr id="469118927" name="Номер слайда 3"/>
+          <p:cNvPr id="1068055771" name="Номер слайда 3"/>
           <p:cNvSpPr>
             <a:spLocks noGrp="1"/>
           </p:cNvSpPr>
@@ -14429,7 +14429,7 @@
       </p:sp>
       <p:sp>
         <p:nvSpPr>
-          <p:cNvPr id="493868824" name="Google Shape;125;p4"/>
+          <p:cNvPr id="1729355192" name="Google Shape;125;p4"/>
           <p:cNvSpPr/>
           <p:nvPr/>
         </p:nvSpPr>
@@ -14486,7 +14486,7 @@
       </p:sp>
       <p:grpSp>
         <p:nvGrpSpPr>
-          <p:cNvPr id="748800386" name="Группа 35"/>
+          <p:cNvPr id="1846120266" name="Группа 35"/>
           <p:cNvGrpSpPr/>
           <p:nvPr/>
         </p:nvGrpSpPr>
@@ -14579,7 +14579,7 @@
       </p:grpSp>
       <p:grpSp>
         <p:nvGrpSpPr>
-          <p:cNvPr id="884386275" name="Группа 39"/>
+          <p:cNvPr id="979144607" name="Группа 39"/>
           <p:cNvGrpSpPr/>
           <p:nvPr/>
         </p:nvGrpSpPr>
@@ -14672,7 +14672,7 @@
       </p:grpSp>
       <p:grpSp>
         <p:nvGrpSpPr>
-          <p:cNvPr id="239951565" name="Группа 43"/>
+          <p:cNvPr id="373964246" name="Группа 43"/>
           <p:cNvGrpSpPr/>
           <p:nvPr/>
         </p:nvGrpSpPr>
@@ -14765,7 +14765,7 @@
       </p:grpSp>
       <p:sp>
         <p:nvSpPr>
-          <p:cNvPr id="513316821" name="Google Shape;125;p4"/>
+          <p:cNvPr id="1006541929" name="Google Shape;125;p4"/>
           <p:cNvSpPr/>
           <p:nvPr/>
         </p:nvSpPr>
@@ -14822,7 +14822,7 @@
       </p:sp>
       <p:sp>
         <p:nvSpPr>
-          <p:cNvPr id="467345377" name="Google Shape;127;p4"/>
+          <p:cNvPr id="781760732" name="Google Shape;127;p4"/>
           <p:cNvSpPr/>
           <p:nvPr/>
         </p:nvSpPr>
@@ -14879,7 +14879,7 @@
       </p:sp>
       <p:sp>
         <p:nvSpPr>
-          <p:cNvPr id="1310519258" name="Google Shape;125;p4"/>
+          <p:cNvPr id="2023793048" name="Google Shape;125;p4"/>
           <p:cNvSpPr/>
           <p:nvPr/>
         </p:nvSpPr>
@@ -14936,7 +14936,7 @@
       </p:sp>
       <p:sp>
         <p:nvSpPr>
-          <p:cNvPr id="410811002" name="Google Shape;127;p4"/>
+          <p:cNvPr id="1461031677" name="Google Shape;127;p4"/>
           <p:cNvSpPr/>
           <p:nvPr/>
         </p:nvSpPr>
@@ -14993,7 +14993,7 @@
       </p:sp>
       <p:sp>
         <p:nvSpPr>
-          <p:cNvPr id="631276650" name="Google Shape;125;p4"/>
+          <p:cNvPr id="1430513039" name="Google Shape;125;p4"/>
           <p:cNvSpPr/>
           <p:nvPr/>
         </p:nvSpPr>
@@ -15050,7 +15050,7 @@
       </p:sp>
       <p:sp>
         <p:nvSpPr>
-          <p:cNvPr id="1386516797" name="Google Shape;127;p4"/>
+          <p:cNvPr id="1237080080" name="Google Shape;127;p4"/>
           <p:cNvSpPr/>
           <p:nvPr/>
         </p:nvSpPr>
@@ -15107,7 +15107,7 @@
       </p:sp>
       <p:grpSp>
         <p:nvGrpSpPr>
-          <p:cNvPr id="346012332" name="Группа 59"/>
+          <p:cNvPr id="654717937" name="Группа 59"/>
           <p:cNvGrpSpPr/>
           <p:nvPr/>
         </p:nvGrpSpPr>
@@ -15200,7 +15200,7 @@
       </p:grpSp>
       <p:sp>
         <p:nvSpPr>
-          <p:cNvPr id="1614116972" name="Google Shape;127;p4"/>
+          <p:cNvPr id="2046562033" name="Google Shape;127;p4"/>
           <p:cNvSpPr/>
           <p:nvPr/>
         </p:nvSpPr>
@@ -15290,7 +15290,7 @@
       </p:grpSpPr>
       <p:sp>
         <p:nvSpPr>
-          <p:cNvPr id="778303444" name="Текст 1"/>
+          <p:cNvPr id="1052623859" name="Текст 1"/>
           <p:cNvSpPr>
             <a:spLocks noGrp="1"/>
           </p:cNvSpPr>
@@ -15408,7 +15408,7 @@
       </p:sp>
       <p:sp>
         <p:nvSpPr>
-          <p:cNvPr id="1756353007" name="Текст 2"/>
+          <p:cNvPr id="1959287732" name="Текст 2"/>
           <p:cNvSpPr>
             <a:spLocks noGrp="1"/>
           </p:cNvSpPr>
@@ -15445,7 +15445,7 @@
       </p:sp>
       <p:sp>
         <p:nvSpPr>
-          <p:cNvPr id="559175769" name="Номер слайда 3"/>
+          <p:cNvPr id="1661301061" name="Номер слайда 3"/>
           <p:cNvSpPr>
             <a:spLocks noGrp="1"/>
           </p:cNvSpPr>
@@ -15478,7 +15478,7 @@
       </p:sp>
       <p:grpSp>
         <p:nvGrpSpPr>
-          <p:cNvPr id="1314269693" name="Группа 7"/>
+          <p:cNvPr id="30106331" name="Группа 7"/>
           <p:cNvGrpSpPr/>
           <p:nvPr/>
         </p:nvGrpSpPr>
@@ -15865,7 +15865,7 @@
       </p:grpSpPr>
       <p:sp>
         <p:nvSpPr>
-          <p:cNvPr id="632390743" name="Текст 1"/>
+          <p:cNvPr id="1705319164" name="Текст 1"/>
           <p:cNvSpPr>
             <a:spLocks noGrp="1"/>
           </p:cNvSpPr>
@@ -15880,8 +15880,8 @@
           </a:xfrm>
         </p:spPr>
         <p:txBody>
-          <a:bodyPr spcFirstLastPara="1" vertOverflow="overflow" horzOverflow="overflow" vert="horz" wrap="square" lIns="91423" tIns="45699" rIns="91423" bIns="45699" numCol="1" spcCol="0" rtlCol="0" fromWordArt="0" anchor="t" anchorCtr="0" forceAA="0" upright="0" compatLnSpc="0">
-            <a:normAutofit fontScale="70000" lnSpcReduction="6000"/>
+          <a:bodyPr spcFirstLastPara="1" vertOverflow="overflow" horzOverflow="overflow" vert="horz" wrap="square" lIns="91422" tIns="45698" rIns="91422" bIns="45698" numCol="1" spcCol="0" rtlCol="0" fromWordArt="0" anchor="t" anchorCtr="0" forceAA="0" upright="0" compatLnSpc="0">
+            <a:normAutofit fontScale="60000" lnSpcReduction="8000"/>
           </a:bodyPr>
           <a:lstStyle/>
           <a:p>
@@ -15898,10 +15898,18 @@
               <a:defRPr/>
             </a:pPr>
             <a:r>
-              <a:rPr/>
+              <a:rPr>
+                <a:solidFill>
+                  <a:schemeClr val="tx1"/>
+                </a:solidFill>
+              </a:rPr>
               <a:t>Соотношение матрица-наполнитель</a:t>
             </a:r>
-            <a:endParaRPr/>
+            <a:endParaRPr>
+              <a:solidFill>
+                <a:schemeClr val="tx1"/>
+              </a:solidFill>
+            </a:endParaRPr>
           </a:p>
           <a:p>
             <a:pPr marL="533399" indent="-457200" algn="just">
@@ -15910,10 +15918,18 @@
               <a:defRPr/>
             </a:pPr>
             <a:r>
-              <a:rPr/>
+              <a:rPr>
+                <a:solidFill>
+                  <a:schemeClr val="tx1"/>
+                </a:solidFill>
+              </a:rPr>
               <a:t>Плотность, кг/м³</a:t>
             </a:r>
-            <a:endParaRPr/>
+            <a:endParaRPr>
+              <a:solidFill>
+                <a:schemeClr val="tx1"/>
+              </a:solidFill>
+            </a:endParaRPr>
           </a:p>
           <a:p>
             <a:pPr marL="533399" indent="-457200" algn="just">
@@ -15922,10 +15938,18 @@
               <a:defRPr/>
             </a:pPr>
             <a:r>
-              <a:rPr/>
+              <a:rPr>
+                <a:solidFill>
+                  <a:schemeClr val="tx1"/>
+                </a:solidFill>
+              </a:rPr>
               <a:t>Модуль упругости, ГПа</a:t>
             </a:r>
-            <a:endParaRPr/>
+            <a:endParaRPr>
+              <a:solidFill>
+                <a:schemeClr val="tx1"/>
+              </a:solidFill>
+            </a:endParaRPr>
           </a:p>
           <a:p>
             <a:pPr marL="533399" indent="-457200" algn="just">
@@ -15934,10 +15958,18 @@
               <a:defRPr/>
             </a:pPr>
             <a:r>
-              <a:rPr/>
+              <a:rPr>
+                <a:solidFill>
+                  <a:schemeClr val="tx1"/>
+                </a:solidFill>
+              </a:rPr>
               <a:t>Количество отвердителя, м.%</a:t>
             </a:r>
-            <a:endParaRPr/>
+            <a:endParaRPr>
+              <a:solidFill>
+                <a:schemeClr val="tx1"/>
+              </a:solidFill>
+            </a:endParaRPr>
           </a:p>
           <a:p>
             <a:pPr marL="533399" indent="-457200" algn="just">
@@ -15946,10 +15978,18 @@
               <a:defRPr/>
             </a:pPr>
             <a:r>
-              <a:rPr/>
+              <a:rPr>
+                <a:solidFill>
+                  <a:schemeClr val="tx1"/>
+                </a:solidFill>
+              </a:rPr>
               <a:t>Содержание эпоксидных групп, %</a:t>
             </a:r>
-            <a:endParaRPr/>
+            <a:endParaRPr>
+              <a:solidFill>
+                <a:schemeClr val="tx1"/>
+              </a:solidFill>
+            </a:endParaRPr>
           </a:p>
           <a:p>
             <a:pPr marL="533399" indent="-457200" algn="just">
@@ -15958,10 +15998,18 @@
               <a:defRPr/>
             </a:pPr>
             <a:r>
-              <a:rPr/>
+              <a:rPr>
+                <a:solidFill>
+                  <a:schemeClr val="tx1"/>
+                </a:solidFill>
+              </a:rPr>
               <a:t>Температура вспышки, °C</a:t>
             </a:r>
-            <a:endParaRPr/>
+            <a:endParaRPr>
+              <a:solidFill>
+                <a:schemeClr val="tx1"/>
+              </a:solidFill>
+            </a:endParaRPr>
           </a:p>
           <a:p>
             <a:pPr marL="533399" indent="-457200" algn="just">
@@ -15970,10 +16018,64 @@
               <a:defRPr/>
             </a:pPr>
             <a:r>
-              <a:rPr/>
+              <a:rPr>
+                <a:solidFill>
+                  <a:schemeClr val="tx1"/>
+                </a:solidFill>
+              </a:rPr>
               <a:t>Поверхностная плотность, г/м²</a:t>
             </a:r>
-            <a:endParaRPr/>
+            <a:endParaRPr>
+              <a:solidFill>
+                <a:schemeClr val="tx1"/>
+              </a:solidFill>
+            </a:endParaRPr>
+          </a:p>
+          <a:p>
+            <a:pPr marL="533398" indent="-457200" algn="just">
+              <a:buFont typeface="+mj-lt"/>
+              <a:buAutoNum type="arabicPeriod"/>
+              <a:defRPr/>
+            </a:pPr>
+            <a:r>
+              <a:rPr lang="en-US" sz="2400" b="0" i="0" u="none" strike="noStrike" cap="none" spc="0">
+                <a:solidFill>
+                  <a:schemeClr val="tx1"/>
+                </a:solidFill>
+                <a:latin typeface="ALS Sector Regular"/>
+                <a:ea typeface="ALS Sector Regular"/>
+                <a:cs typeface="ALS Sector Regular"/>
+              </a:rPr>
+              <a:t>Модуль упругости при растяжении, ГПа</a:t>
+            </a:r>
+            <a:endParaRPr sz="4800">
+              <a:solidFill>
+                <a:schemeClr val="tx1"/>
+              </a:solidFill>
+            </a:endParaRPr>
+          </a:p>
+          <a:p>
+            <a:pPr marL="533398" indent="-457200" algn="just">
+              <a:buFont typeface="+mj-lt"/>
+              <a:buAutoNum type="arabicPeriod"/>
+              <a:defRPr/>
+            </a:pPr>
+            <a:r>
+              <a:rPr lang="en-US" sz="2400" b="0" i="0" u="none" strike="noStrike" cap="none" spc="0">
+                <a:solidFill>
+                  <a:schemeClr val="tx1"/>
+                </a:solidFill>
+                <a:latin typeface="ALS Sector Regular"/>
+                <a:ea typeface="ALS Sector Regular"/>
+                <a:cs typeface="ALS Sector Regular"/>
+              </a:rPr>
+              <a:t>Прочность при растяжении, МПа</a:t>
+            </a:r>
+            <a:endParaRPr>
+              <a:solidFill>
+                <a:schemeClr val="tx1"/>
+              </a:solidFill>
+            </a:endParaRPr>
           </a:p>
           <a:p>
             <a:pPr marL="533399" indent="-457200" algn="just">
@@ -15982,10 +16084,18 @@
               <a:defRPr/>
             </a:pPr>
             <a:r>
-              <a:rPr/>
+              <a:rPr>
+                <a:solidFill>
+                  <a:schemeClr val="tx1"/>
+                </a:solidFill>
+              </a:rPr>
               <a:t>Потребление смолы, г/м²</a:t>
             </a:r>
-            <a:endParaRPr/>
+            <a:endParaRPr>
+              <a:solidFill>
+                <a:schemeClr val="tx1"/>
+              </a:solidFill>
+            </a:endParaRPr>
           </a:p>
           <a:p>
             <a:pPr marL="533399" indent="-457200" algn="just">
@@ -15994,10 +16104,18 @@
               <a:defRPr/>
             </a:pPr>
             <a:r>
-              <a:rPr/>
+              <a:rPr>
+                <a:solidFill>
+                  <a:schemeClr val="tx1"/>
+                </a:solidFill>
+              </a:rPr>
               <a:t>Угол нашивки, градусы</a:t>
             </a:r>
-            <a:endParaRPr/>
+            <a:endParaRPr>
+              <a:solidFill>
+                <a:schemeClr val="tx1"/>
+              </a:solidFill>
+            </a:endParaRPr>
           </a:p>
           <a:p>
             <a:pPr marL="533399" indent="-457200" algn="just">
@@ -16006,10 +16124,18 @@
               <a:defRPr/>
             </a:pPr>
             <a:r>
-              <a:rPr/>
+              <a:rPr>
+                <a:solidFill>
+                  <a:schemeClr val="tx1"/>
+                </a:solidFill>
+              </a:rPr>
               <a:t>Шаг нашивки</a:t>
             </a:r>
-            <a:endParaRPr/>
+            <a:endParaRPr>
+              <a:solidFill>
+                <a:schemeClr val="tx1"/>
+              </a:solidFill>
+            </a:endParaRPr>
           </a:p>
           <a:p>
             <a:pPr marL="533399" indent="-457200" algn="just">
@@ -16018,7 +16144,11 @@
               <a:defRPr/>
             </a:pPr>
             <a:r>
-              <a:rPr/>
+              <a:rPr>
+                <a:solidFill>
+                  <a:schemeClr val="tx1"/>
+                </a:solidFill>
+              </a:rPr>
               <a:t>Плотность нашивки</a:t>
             </a:r>
             <a:endParaRPr/>
@@ -16051,7 +16181,7 @@
       </p:sp>
       <p:sp>
         <p:nvSpPr>
-          <p:cNvPr id="1738770932" name="Текст 2"/>
+          <p:cNvPr id="467672644" name="Текст 2"/>
           <p:cNvSpPr>
             <a:spLocks noGrp="1"/>
           </p:cNvSpPr>
@@ -16084,7 +16214,7 @@
       </p:sp>
       <p:sp>
         <p:nvSpPr>
-          <p:cNvPr id="978728876" name="Номер слайда 3"/>
+          <p:cNvPr id="1528046735" name="Номер слайда 3"/>
           <p:cNvSpPr>
             <a:spLocks noGrp="1"/>
           </p:cNvSpPr>
@@ -16117,7 +16247,7 @@
       </p:sp>
       <p:grpSp>
         <p:nvGrpSpPr>
-          <p:cNvPr id="1260520574" name="Группа 7"/>
+          <p:cNvPr id="1221152670" name="Группа 7"/>
           <p:cNvGrpSpPr/>
           <p:nvPr/>
         </p:nvGrpSpPr>
@@ -16471,7 +16601,7 @@
       </p:grpSp>
       <p:pic>
         <p:nvPicPr>
-          <p:cNvPr id="1574109213" name=""/>
+          <p:cNvPr id="375693072" name=""/>
           <p:cNvPicPr>
             <a:picLocks noChangeAspect="1"/>
           </p:cNvPicPr>
@@ -16493,7 +16623,7 @@
       </p:pic>
       <p:pic>
         <p:nvPicPr>
-          <p:cNvPr id="1652741567" name=""/>
+          <p:cNvPr id="547077419" name=""/>
           <p:cNvPicPr>
             <a:picLocks noChangeAspect="1"/>
           </p:cNvPicPr>
@@ -16548,7 +16678,7 @@
       </p:grpSpPr>
       <p:pic>
         <p:nvPicPr>
-          <p:cNvPr id="1794401787" name=""/>
+          <p:cNvPr id="1663693685" name=""/>
           <p:cNvPicPr>
             <a:picLocks noChangeAspect="1"/>
           </p:cNvPicPr>
@@ -16570,7 +16700,7 @@
       </p:pic>
       <p:sp>
         <p:nvSpPr>
-          <p:cNvPr id="1796196780" name="Текст 1"/>
+          <p:cNvPr id="1134914350" name="Текст 1"/>
           <p:cNvSpPr>
             <a:spLocks noGrp="1"/>
           </p:cNvSpPr>
@@ -16609,7 +16739,7 @@
       </p:sp>
       <p:sp>
         <p:nvSpPr>
-          <p:cNvPr id="445566906" name="Текст 2"/>
+          <p:cNvPr id="538775402" name="Текст 2"/>
           <p:cNvSpPr>
             <a:spLocks noGrp="1"/>
           </p:cNvSpPr>
@@ -16642,7 +16772,7 @@
       </p:sp>
       <p:sp>
         <p:nvSpPr>
-          <p:cNvPr id="935246122" name="Номер слайда 3"/>
+          <p:cNvPr id="590390889" name="Номер слайда 3"/>
           <p:cNvSpPr>
             <a:spLocks noGrp="1"/>
           </p:cNvSpPr>
@@ -16675,7 +16805,7 @@
       </p:sp>
       <p:grpSp>
         <p:nvGrpSpPr>
-          <p:cNvPr id="1178724363" name="Группа 7"/>
+          <p:cNvPr id="900847631" name="Группа 7"/>
           <p:cNvGrpSpPr/>
           <p:nvPr/>
         </p:nvGrpSpPr>
@@ -17062,7 +17192,7 @@
       </p:grpSpPr>
       <p:sp>
         <p:nvSpPr>
-          <p:cNvPr id="1118123725" name="Текст 1"/>
+          <p:cNvPr id="523113632" name="Текст 1"/>
           <p:cNvSpPr>
             <a:spLocks noGrp="1"/>
           </p:cNvSpPr>
@@ -17219,7 +17349,7 @@
       </p:sp>
       <p:sp>
         <p:nvSpPr>
-          <p:cNvPr id="137901871" name="Текст 2"/>
+          <p:cNvPr id="651119770" name="Текст 2"/>
           <p:cNvSpPr>
             <a:spLocks noGrp="1"/>
           </p:cNvSpPr>
@@ -17252,7 +17382,7 @@
       </p:sp>
       <p:sp>
         <p:nvSpPr>
-          <p:cNvPr id="1455019372" name="Номер слайда 3"/>
+          <p:cNvPr id="898488866" name="Номер слайда 3"/>
           <p:cNvSpPr>
             <a:spLocks noGrp="1"/>
           </p:cNvSpPr>
@@ -17285,7 +17415,7 @@
       </p:sp>
       <p:grpSp>
         <p:nvGrpSpPr>
-          <p:cNvPr id="1342401227" name="Группа 7"/>
+          <p:cNvPr id="431999612" name="Группа 7"/>
           <p:cNvGrpSpPr/>
           <p:nvPr/>
         </p:nvGrpSpPr>
@@ -17672,7 +17802,7 @@
       </p:grpSpPr>
       <p:sp>
         <p:nvSpPr>
-          <p:cNvPr id="1017594596" name="Текст 1"/>
+          <p:cNvPr id="1424167319" name="Текст 1"/>
           <p:cNvSpPr>
             <a:spLocks noGrp="1"/>
           </p:cNvSpPr>
@@ -17966,7 +18096,7 @@
       </p:sp>
       <p:sp>
         <p:nvSpPr>
-          <p:cNvPr id="31496329" name="Текст 2"/>
+          <p:cNvPr id="1512752258" name="Текст 2"/>
           <p:cNvSpPr>
             <a:spLocks noGrp="1"/>
           </p:cNvSpPr>
@@ -17999,7 +18129,7 @@
       </p:sp>
       <p:sp>
         <p:nvSpPr>
-          <p:cNvPr id="553959908" name="Номер слайда 3"/>
+          <p:cNvPr id="1261988477" name="Номер слайда 3"/>
           <p:cNvSpPr>
             <a:spLocks noGrp="1"/>
           </p:cNvSpPr>
@@ -18032,7 +18162,7 @@
       </p:sp>
       <p:grpSp>
         <p:nvGrpSpPr>
-          <p:cNvPr id="1816819658" name="Группа 7"/>
+          <p:cNvPr id="1123412968" name="Группа 7"/>
           <p:cNvGrpSpPr/>
           <p:nvPr/>
         </p:nvGrpSpPr>
@@ -18419,7 +18549,7 @@
       </p:grpSpPr>
       <p:sp>
         <p:nvSpPr>
-          <p:cNvPr id="52186245" name="Текст 1"/>
+          <p:cNvPr id="1879630" name="Текст 1"/>
           <p:cNvSpPr>
             <a:spLocks noGrp="1"/>
           </p:cNvSpPr>
@@ -18473,7 +18603,7 @@
       </p:sp>
       <p:sp>
         <p:nvSpPr>
-          <p:cNvPr id="813492647" name="Текст 2"/>
+          <p:cNvPr id="728185788" name="Текст 2"/>
           <p:cNvSpPr>
             <a:spLocks noGrp="1"/>
           </p:cNvSpPr>
@@ -18506,7 +18636,7 @@
       </p:sp>
       <p:sp>
         <p:nvSpPr>
-          <p:cNvPr id="491420358" name="Номер слайда 3"/>
+          <p:cNvPr id="960538599" name="Номер слайда 3"/>
           <p:cNvSpPr>
             <a:spLocks noGrp="1"/>
           </p:cNvSpPr>
@@ -18539,7 +18669,7 @@
       </p:sp>
       <p:grpSp>
         <p:nvGrpSpPr>
-          <p:cNvPr id="2064432605" name="Группа 7"/>
+          <p:cNvPr id="326624923" name="Группа 7"/>
           <p:cNvGrpSpPr/>
           <p:nvPr/>
         </p:nvGrpSpPr>
@@ -18893,7 +19023,7 @@
       </p:grpSp>
       <p:graphicFrame>
         <p:nvGraphicFramePr>
-          <p:cNvPr id="1402447897" name=""/>
+          <p:cNvPr id="334091897" name=""/>
           <p:cNvGraphicFramePr>
             <a:graphicFrameLocks xmlns:a="http://schemas.openxmlformats.org/drawingml/2006/main"/>
           </p:cNvGraphicFramePr>
@@ -19942,7 +20072,7 @@
       </p:grpSpPr>
       <p:sp>
         <p:nvSpPr>
-          <p:cNvPr id="517381011" name="Текст 1"/>
+          <p:cNvPr id="229823968" name="Текст 1"/>
           <p:cNvSpPr>
             <a:spLocks noGrp="1"/>
           </p:cNvSpPr>
@@ -20042,7 +20172,7 @@
       </p:sp>
       <p:sp>
         <p:nvSpPr>
-          <p:cNvPr id="114706100" name="Текст 2"/>
+          <p:cNvPr id="16826684" name="Текст 2"/>
           <p:cNvSpPr>
             <a:spLocks noGrp="1"/>
           </p:cNvSpPr>
@@ -20075,7 +20205,7 @@
       </p:sp>
       <p:sp>
         <p:nvSpPr>
-          <p:cNvPr id="1915757752" name="Номер слайда 3"/>
+          <p:cNvPr id="655408468" name="Номер слайда 3"/>
           <p:cNvSpPr>
             <a:spLocks noGrp="1"/>
           </p:cNvSpPr>
@@ -20108,7 +20238,7 @@
       </p:sp>
       <p:grpSp>
         <p:nvGrpSpPr>
-          <p:cNvPr id="1829788715" name="Группа 7"/>
+          <p:cNvPr id="76453844" name="Группа 7"/>
           <p:cNvGrpSpPr/>
           <p:nvPr/>
         </p:nvGrpSpPr>
